--- a/答辩PPT.pptx
+++ b/答辩PPT.pptx
@@ -6,19 +6,20 @@
     <p:sldMasterId id="2147483660" r:id="rId2"/>
   </p:sldMasterIdLst>
   <p:notesMasterIdLst>
-    <p:notesMasterId r:id="rId13"/>
+    <p:notesMasterId r:id="rId14"/>
   </p:notesMasterIdLst>
   <p:sldIdLst>
     <p:sldId id="257" r:id="rId3"/>
     <p:sldId id="283" r:id="rId4"/>
     <p:sldId id="284" r:id="rId5"/>
     <p:sldId id="287" r:id="rId6"/>
-    <p:sldId id="288" r:id="rId7"/>
-    <p:sldId id="270" r:id="rId8"/>
-    <p:sldId id="266" r:id="rId9"/>
-    <p:sldId id="280" r:id="rId10"/>
-    <p:sldId id="268" r:id="rId11"/>
-    <p:sldId id="258" r:id="rId12"/>
+    <p:sldId id="289" r:id="rId7"/>
+    <p:sldId id="288" r:id="rId8"/>
+    <p:sldId id="270" r:id="rId9"/>
+    <p:sldId id="266" r:id="rId10"/>
+    <p:sldId id="280" r:id="rId11"/>
+    <p:sldId id="268" r:id="rId12"/>
+    <p:sldId id="258" r:id="rId13"/>
   </p:sldIdLst>
   <p:sldSz cx="12192000" cy="6858000"/>
   <p:notesSz cx="6858000" cy="9144000"/>
@@ -3298,7 +3299,7 @@
           <a:p>
             <a:fld id="{CE6FFDC6-3CD4-4C20-93D1-095E7B1FE145}" type="datetimeFigureOut">
               <a:rPr lang="zh-CN" altLang="en-US" smtClean="0"/>
-              <a:t>2021/7/15</a:t>
+              <a:t>2021/7/16</a:t>
             </a:fld>
             <a:endParaRPr lang="zh-CN" altLang="en-US"/>
           </a:p>
@@ -3621,6 +3622,62 @@
 </p:notes>
 </file>
 
+<file path=ppt/notesSlides/notesSlide10.xml><?xml version="1.0" encoding="utf-8"?>
+<p:notes xmlns:a="http://schemas.openxmlformats.org/drawingml/2006/main" xmlns:r="http://schemas.openxmlformats.org/officeDocument/2006/relationships" xmlns:p="http://schemas.openxmlformats.org/presentationml/2006/main">
+  <p:cSld>
+    <p:spTree>
+      <p:nvGrpSpPr>
+        <p:cNvPr id="1" name=""/>
+        <p:cNvGrpSpPr/>
+        <p:nvPr/>
+      </p:nvGrpSpPr>
+      <p:grpSpPr>
+        <a:xfrm>
+          <a:off x="0" y="0"/>
+          <a:ext cx="0" cy="0"/>
+          <a:chOff x="0" y="0"/>
+          <a:chExt cx="0" cy="0"/>
+        </a:xfrm>
+      </p:grpSpPr>
+      <p:sp>
+        <p:nvSpPr>
+          <p:cNvPr id="2" name="幻灯片图像占位符 1"/>
+          <p:cNvSpPr>
+            <a:spLocks noGrp="1" noRot="1" noChangeAspect="1"/>
+          </p:cNvSpPr>
+          <p:nvPr>
+            <p:ph type="sldImg" idx="2"/>
+          </p:nvPr>
+        </p:nvSpPr>
+        <p:spPr/>
+      </p:sp>
+      <p:sp>
+        <p:nvSpPr>
+          <p:cNvPr id="3" name="文本占位符 2"/>
+          <p:cNvSpPr>
+            <a:spLocks noGrp="1"/>
+          </p:cNvSpPr>
+          <p:nvPr>
+            <p:ph type="body" idx="3"/>
+          </p:nvPr>
+        </p:nvSpPr>
+        <p:spPr/>
+        <p:txBody>
+          <a:bodyPr/>
+          <a:lstStyle/>
+          <a:p>
+            <a:endParaRPr lang="zh-CN" altLang="en-US"/>
+          </a:p>
+        </p:txBody>
+      </p:sp>
+    </p:spTree>
+  </p:cSld>
+  <p:clrMapOvr>
+    <a:masterClrMapping/>
+  </p:clrMapOvr>
+</p:notes>
+</file>
+
 <file path=ppt/notesSlides/notesSlide2.xml><?xml version="1.0" encoding="utf-8"?>
 <p:notes xmlns:a="http://schemas.openxmlformats.org/drawingml/2006/main" xmlns:r="http://schemas.openxmlformats.org/officeDocument/2006/relationships" xmlns:p="http://schemas.openxmlformats.org/presentationml/2006/main">
   <p:cSld>
@@ -3855,7 +3912,7 @@
     </p:spTree>
     <p:extLst>
       <p:ext uri="{BB962C8B-B14F-4D97-AF65-F5344CB8AC3E}">
-        <p14:creationId xmlns:p14="http://schemas.microsoft.com/office/powerpoint/2010/main" val="2387811586"/>
+        <p14:creationId xmlns:p14="http://schemas.microsoft.com/office/powerpoint/2010/main" val="447674317"/>
       </p:ext>
     </p:extLst>
   </p:cSld>
@@ -3914,6 +3971,11 @@
         </p:txBody>
       </p:sp>
     </p:spTree>
+    <p:extLst>
+      <p:ext uri="{BB962C8B-B14F-4D97-AF65-F5344CB8AC3E}">
+        <p14:creationId xmlns:p14="http://schemas.microsoft.com/office/powerpoint/2010/main" val="2387811586"/>
+      </p:ext>
+    </p:extLst>
   </p:cSld>
   <p:clrMapOvr>
     <a:masterClrMapping/>
@@ -4236,7 +4298,7 @@
           <a:p>
             <a:fld id="{566F74F0-FBAD-4D2A-A1BD-54140EC4D78F}" type="datetime1">
               <a:rPr lang="zh-CN" altLang="en-US" smtClean="0"/>
-              <a:t>2021/7/15</a:t>
+              <a:t>2021/7/16</a:t>
             </a:fld>
             <a:endParaRPr lang="zh-CN" altLang="en-US"/>
           </a:p>
@@ -4437,7 +4499,7 @@
           <a:p>
             <a:fld id="{0F1D80F6-D49B-4411-97BC-96ED000336A8}" type="datetime1">
               <a:rPr lang="zh-CN" altLang="en-US" smtClean="0"/>
-              <a:t>2021/7/15</a:t>
+              <a:t>2021/7/16</a:t>
             </a:fld>
             <a:endParaRPr lang="zh-CN" altLang="en-US"/>
           </a:p>
@@ -4648,7 +4710,7 @@
           <a:p>
             <a:fld id="{5DAF89B4-F6F2-4FA6-8714-A5226FA4C8C3}" type="datetime1">
               <a:rPr lang="zh-CN" altLang="en-US" smtClean="0"/>
-              <a:t>2021/7/15</a:t>
+              <a:t>2021/7/16</a:t>
             </a:fld>
             <a:endParaRPr lang="zh-CN" altLang="en-US"/>
           </a:p>
@@ -4853,7 +4915,7 @@
           <a:p>
             <a:fld id="{6D6B5A22-8344-4B30-827A-065F38A6ABF6}" type="datetime1">
               <a:rPr lang="zh-CN" altLang="en-US" smtClean="0"/>
-              <a:t>2021/7/15</a:t>
+              <a:t>2021/7/16</a:t>
             </a:fld>
             <a:endParaRPr lang="zh-CN" altLang="en-US"/>
           </a:p>
@@ -4963,7 +5025,7 @@
           <a:p>
             <a:fld id="{032848D1-F7E3-453E-A187-5D0337D4195C}" type="datetime1">
               <a:rPr lang="zh-CN" altLang="en-US" smtClean="0"/>
-              <a:t>2021/7/15</a:t>
+              <a:t>2021/7/16</a:t>
             </a:fld>
             <a:endParaRPr lang="zh-CN" altLang="en-US"/>
           </a:p>
@@ -5164,7 +5226,7 @@
           <a:p>
             <a:fld id="{AF4C6869-D5FC-487A-96F8-C1D89294EF6A}" type="datetime1">
               <a:rPr lang="zh-CN" altLang="en-US" smtClean="0"/>
-              <a:t>2021/7/15</a:t>
+              <a:t>2021/7/16</a:t>
             </a:fld>
             <a:endParaRPr lang="zh-CN" altLang="en-US"/>
           </a:p>
@@ -5442,7 +5504,7 @@
           <a:p>
             <a:fld id="{54462267-5A4D-4F3E-B3CF-CB11931D17E6}" type="datetime1">
               <a:rPr lang="zh-CN" altLang="en-US" smtClean="0"/>
-              <a:t>2021/7/15</a:t>
+              <a:t>2021/7/16</a:t>
             </a:fld>
             <a:endParaRPr lang="zh-CN" altLang="en-US"/>
           </a:p>
@@ -5710,7 +5772,7 @@
           <a:p>
             <a:fld id="{5D4237C0-3A01-4E55-872B-1DF7C49CFD44}" type="datetime1">
               <a:rPr lang="zh-CN" altLang="en-US" smtClean="0"/>
-              <a:t>2021/7/15</a:t>
+              <a:t>2021/7/16</a:t>
             </a:fld>
             <a:endParaRPr lang="zh-CN" altLang="en-US"/>
           </a:p>
@@ -6125,7 +6187,7 @@
           <a:p>
             <a:fld id="{78BD4C87-4E54-4726-8323-6F5C1A5018C0}" type="datetime1">
               <a:rPr lang="zh-CN" altLang="en-US" smtClean="0"/>
-              <a:t>2021/7/15</a:t>
+              <a:t>2021/7/16</a:t>
             </a:fld>
             <a:endParaRPr lang="zh-CN" altLang="en-US"/>
           </a:p>
@@ -6269,7 +6331,7 @@
           <a:p>
             <a:fld id="{0179D33F-E7C5-4D4D-8FED-16905F3B0CEB}" type="datetime1">
               <a:rPr lang="zh-CN" altLang="en-US" smtClean="0"/>
-              <a:t>2021/7/15</a:t>
+              <a:t>2021/7/16</a:t>
             </a:fld>
             <a:endParaRPr lang="zh-CN" altLang="en-US"/>
           </a:p>
@@ -6385,7 +6447,7 @@
           <a:p>
             <a:fld id="{E0D2873E-4265-4BDC-AD40-A48556F6B9F9}" type="datetime1">
               <a:rPr lang="zh-CN" altLang="en-US" smtClean="0"/>
-              <a:t>2021/7/15</a:t>
+              <a:t>2021/7/16</a:t>
             </a:fld>
             <a:endParaRPr lang="zh-CN" altLang="en-US"/>
           </a:p>
@@ -6699,7 +6761,7 @@
           <a:p>
             <a:fld id="{D9D06A09-6C11-4EAC-9E02-99C68F629A1B}" type="datetime1">
               <a:rPr lang="zh-CN" altLang="en-US" smtClean="0"/>
-              <a:t>2021/7/15</a:t>
+              <a:t>2021/7/16</a:t>
             </a:fld>
             <a:endParaRPr lang="zh-CN" altLang="en-US"/>
           </a:p>
@@ -6990,7 +7052,7 @@
           <a:p>
             <a:fld id="{2972DF90-5874-4D46-8EC5-151451F3A1F1}" type="datetime1">
               <a:rPr lang="zh-CN" altLang="en-US" smtClean="0"/>
-              <a:t>2021/7/15</a:t>
+              <a:t>2021/7/16</a:t>
             </a:fld>
             <a:endParaRPr lang="zh-CN" altLang="en-US"/>
           </a:p>
@@ -7234,7 +7296,7 @@
           <a:p>
             <a:fld id="{1A3DB7CF-AA4C-4DDB-81A2-C3BDB0F131ED}" type="datetime1">
               <a:rPr lang="zh-CN" altLang="en-US" smtClean="0"/>
-              <a:t>2021/7/15</a:t>
+              <a:t>2021/7/16</a:t>
             </a:fld>
             <a:endParaRPr lang="zh-CN" altLang="en-US"/>
           </a:p>
@@ -7788,7 +7850,7 @@
           <a:p>
             <a:fld id="{9D785ADE-A9C2-4F07-A121-97F477A76DD1}" type="datetime1">
               <a:rPr lang="zh-CN" altLang="en-US" smtClean="0"/>
-              <a:t>2021/7/15</a:t>
+              <a:t>2021/7/16</a:t>
             </a:fld>
             <a:endParaRPr lang="zh-CN" altLang="en-US"/>
           </a:p>
@@ -9858,6 +9920,1138 @@
 </file>
 
 <file path=ppt/slides/slide10.xml><?xml version="1.0" encoding="utf-8"?>
+<p:sld xmlns:a="http://schemas.openxmlformats.org/drawingml/2006/main" xmlns:r="http://schemas.openxmlformats.org/officeDocument/2006/relationships" xmlns:p="http://schemas.openxmlformats.org/presentationml/2006/main">
+  <p:cSld>
+    <p:spTree>
+      <p:nvGrpSpPr>
+        <p:cNvPr id="1" name=""/>
+        <p:cNvGrpSpPr/>
+        <p:nvPr/>
+      </p:nvGrpSpPr>
+      <p:grpSpPr>
+        <a:xfrm>
+          <a:off x="0" y="0"/>
+          <a:ext cx="0" cy="0"/>
+          <a:chOff x="0" y="0"/>
+          <a:chExt cx="0" cy="0"/>
+        </a:xfrm>
+      </p:grpSpPr>
+      <p:grpSp>
+        <p:nvGrpSpPr>
+          <p:cNvPr id="8" name="组合 7"/>
+          <p:cNvGrpSpPr/>
+          <p:nvPr/>
+        </p:nvGrpSpPr>
+        <p:grpSpPr>
+          <a:xfrm>
+            <a:off x="-698500" y="-582990"/>
+            <a:ext cx="13589000" cy="8023980"/>
+            <a:chOff x="-863600" y="-584200"/>
+            <a:chExt cx="13335000" cy="7874000"/>
+          </a:xfrm>
+          <a:solidFill>
+            <a:srgbClr val="E6E6E6"/>
+          </a:solidFill>
+        </p:grpSpPr>
+        <p:grpSp>
+          <p:nvGrpSpPr>
+            <p:cNvPr id="4" name="组合 3"/>
+            <p:cNvGrpSpPr/>
+            <p:nvPr/>
+          </p:nvGrpSpPr>
+          <p:grpSpPr>
+            <a:xfrm>
+              <a:off x="-863600" y="-584200"/>
+              <a:ext cx="165100" cy="7874000"/>
+              <a:chOff x="-863600" y="-584200"/>
+              <a:chExt cx="165100" cy="7874000"/>
+            </a:xfrm>
+            <a:grpFill/>
+          </p:grpSpPr>
+          <p:sp>
+            <p:nvSpPr>
+              <p:cNvPr id="2" name="椭圆 1"/>
+              <p:cNvSpPr/>
+              <p:nvPr/>
+            </p:nvSpPr>
+            <p:spPr>
+              <a:xfrm>
+                <a:off x="-863600" y="-584200"/>
+                <a:ext cx="165100" cy="165100"/>
+              </a:xfrm>
+              <a:prstGeom prst="ellipse">
+                <a:avLst/>
+              </a:prstGeom>
+              <a:grpFill/>
+              <a:ln>
+                <a:solidFill>
+                  <a:srgbClr val="00B0F0"/>
+                </a:solidFill>
+              </a:ln>
+            </p:spPr>
+            <p:style>
+              <a:lnRef idx="2">
+                <a:schemeClr val="accent1">
+                  <a:shade val="50000"/>
+                </a:schemeClr>
+              </a:lnRef>
+              <a:fillRef idx="1">
+                <a:schemeClr val="accent1"/>
+              </a:fillRef>
+              <a:effectRef idx="0">
+                <a:schemeClr val="accent1"/>
+              </a:effectRef>
+              <a:fontRef idx="minor">
+                <a:schemeClr val="lt1"/>
+              </a:fontRef>
+            </p:style>
+            <p:txBody>
+              <a:bodyPr rtlCol="0" anchor="ctr"/>
+              <a:lstStyle/>
+              <a:p>
+                <a:pPr algn="ctr"/>
+                <a:endParaRPr lang="zh-CN" altLang="en-US"/>
+              </a:p>
+            </p:txBody>
+          </p:sp>
+          <p:sp>
+            <p:nvSpPr>
+              <p:cNvPr id="3" name="椭圆 2"/>
+              <p:cNvSpPr/>
+              <p:nvPr/>
+            </p:nvSpPr>
+            <p:spPr>
+              <a:xfrm>
+                <a:off x="-863600" y="7124700"/>
+                <a:ext cx="165100" cy="165100"/>
+              </a:xfrm>
+              <a:prstGeom prst="ellipse">
+                <a:avLst/>
+              </a:prstGeom>
+              <a:grpFill/>
+              <a:ln>
+                <a:solidFill>
+                  <a:srgbClr val="00B0F0"/>
+                </a:solidFill>
+              </a:ln>
+            </p:spPr>
+            <p:style>
+              <a:lnRef idx="2">
+                <a:schemeClr val="accent1">
+                  <a:shade val="50000"/>
+                </a:schemeClr>
+              </a:lnRef>
+              <a:fillRef idx="1">
+                <a:schemeClr val="accent1"/>
+              </a:fillRef>
+              <a:effectRef idx="0">
+                <a:schemeClr val="accent1"/>
+              </a:effectRef>
+              <a:fontRef idx="minor">
+                <a:schemeClr val="lt1"/>
+              </a:fontRef>
+            </p:style>
+            <p:txBody>
+              <a:bodyPr rtlCol="0" anchor="ctr"/>
+              <a:lstStyle/>
+              <a:p>
+                <a:pPr algn="ctr"/>
+                <a:endParaRPr lang="zh-CN" altLang="en-US"/>
+              </a:p>
+            </p:txBody>
+          </p:sp>
+        </p:grpSp>
+        <p:grpSp>
+          <p:nvGrpSpPr>
+            <p:cNvPr id="5" name="组合 4"/>
+            <p:cNvGrpSpPr/>
+            <p:nvPr/>
+          </p:nvGrpSpPr>
+          <p:grpSpPr>
+            <a:xfrm>
+              <a:off x="12306300" y="-584200"/>
+              <a:ext cx="165100" cy="7874000"/>
+              <a:chOff x="-863600" y="-584200"/>
+              <a:chExt cx="165100" cy="7874000"/>
+            </a:xfrm>
+            <a:grpFill/>
+          </p:grpSpPr>
+          <p:sp>
+            <p:nvSpPr>
+              <p:cNvPr id="6" name="椭圆 5"/>
+              <p:cNvSpPr/>
+              <p:nvPr/>
+            </p:nvSpPr>
+            <p:spPr>
+              <a:xfrm>
+                <a:off x="-863600" y="-584200"/>
+                <a:ext cx="165100" cy="165100"/>
+              </a:xfrm>
+              <a:prstGeom prst="ellipse">
+                <a:avLst/>
+              </a:prstGeom>
+              <a:grpFill/>
+              <a:ln>
+                <a:solidFill>
+                  <a:srgbClr val="00B0F0"/>
+                </a:solidFill>
+              </a:ln>
+            </p:spPr>
+            <p:style>
+              <a:lnRef idx="2">
+                <a:schemeClr val="accent1">
+                  <a:shade val="50000"/>
+                </a:schemeClr>
+              </a:lnRef>
+              <a:fillRef idx="1">
+                <a:schemeClr val="accent1"/>
+              </a:fillRef>
+              <a:effectRef idx="0">
+                <a:schemeClr val="accent1"/>
+              </a:effectRef>
+              <a:fontRef idx="minor">
+                <a:schemeClr val="lt1"/>
+              </a:fontRef>
+            </p:style>
+            <p:txBody>
+              <a:bodyPr rtlCol="0" anchor="ctr"/>
+              <a:lstStyle/>
+              <a:p>
+                <a:pPr algn="ctr"/>
+                <a:endParaRPr lang="zh-CN" altLang="en-US"/>
+              </a:p>
+            </p:txBody>
+          </p:sp>
+          <p:sp>
+            <p:nvSpPr>
+              <p:cNvPr id="7" name="椭圆 6"/>
+              <p:cNvSpPr/>
+              <p:nvPr/>
+            </p:nvSpPr>
+            <p:spPr>
+              <a:xfrm>
+                <a:off x="-863600" y="7124700"/>
+                <a:ext cx="165100" cy="165100"/>
+              </a:xfrm>
+              <a:prstGeom prst="ellipse">
+                <a:avLst/>
+              </a:prstGeom>
+              <a:grpFill/>
+              <a:ln>
+                <a:solidFill>
+                  <a:srgbClr val="00B0F0"/>
+                </a:solidFill>
+              </a:ln>
+            </p:spPr>
+            <p:style>
+              <a:lnRef idx="2">
+                <a:schemeClr val="accent1">
+                  <a:shade val="50000"/>
+                </a:schemeClr>
+              </a:lnRef>
+              <a:fillRef idx="1">
+                <a:schemeClr val="accent1"/>
+              </a:fillRef>
+              <a:effectRef idx="0">
+                <a:schemeClr val="accent1"/>
+              </a:effectRef>
+              <a:fontRef idx="minor">
+                <a:schemeClr val="lt1"/>
+              </a:fontRef>
+            </p:style>
+            <p:txBody>
+              <a:bodyPr rtlCol="0" anchor="ctr"/>
+              <a:lstStyle/>
+              <a:p>
+                <a:pPr algn="ctr"/>
+                <a:endParaRPr lang="zh-CN" altLang="en-US"/>
+              </a:p>
+            </p:txBody>
+          </p:sp>
+        </p:grpSp>
+      </p:grpSp>
+      <p:sp>
+        <p:nvSpPr>
+          <p:cNvPr id="17" name="文本框 16"/>
+          <p:cNvSpPr txBox="1"/>
+          <p:nvPr/>
+        </p:nvSpPr>
+        <p:spPr>
+          <a:xfrm>
+            <a:off x="4387850" y="1147207"/>
+            <a:ext cx="3416300" cy="230832"/>
+          </a:xfrm>
+          <a:prstGeom prst="rect">
+            <a:avLst/>
+          </a:prstGeom>
+          <a:noFill/>
+        </p:spPr>
+        <p:txBody>
+          <a:bodyPr wrap="square" rtlCol="0">
+            <a:spAutoFit/>
+          </a:bodyPr>
+          <a:lstStyle/>
+          <a:p>
+            <a:pPr algn="dist"/>
+            <a:r>
+              <a:rPr lang="en-US" altLang="zh-CN" sz="900" spc="300" dirty="0">
+                <a:solidFill>
+                  <a:schemeClr val="tx1">
+                    <a:lumMod val="50000"/>
+                    <a:lumOff val="50000"/>
+                  </a:schemeClr>
+                </a:solidFill>
+                <a:latin typeface="+mn-ea"/>
+              </a:rPr>
+              <a:t>SCIENCE AND TECHNOLOGY</a:t>
+            </a:r>
+            <a:endParaRPr lang="zh-CN" altLang="en-US" sz="900" spc="300" dirty="0">
+              <a:solidFill>
+                <a:schemeClr val="tx1">
+                  <a:lumMod val="50000"/>
+                  <a:lumOff val="50000"/>
+                </a:schemeClr>
+              </a:solidFill>
+              <a:latin typeface="+mn-ea"/>
+            </a:endParaRPr>
+          </a:p>
+        </p:txBody>
+      </p:sp>
+      <p:sp>
+        <p:nvSpPr>
+          <p:cNvPr id="33" name="文本框 32"/>
+          <p:cNvSpPr txBox="1"/>
+          <p:nvPr/>
+        </p:nvSpPr>
+        <p:spPr>
+          <a:xfrm>
+            <a:off x="4718957" y="541929"/>
+            <a:ext cx="2754086" cy="707886"/>
+          </a:xfrm>
+          <a:prstGeom prst="rect">
+            <a:avLst/>
+          </a:prstGeom>
+          <a:noFill/>
+        </p:spPr>
+        <p:txBody>
+          <a:bodyPr wrap="square" rtlCol="0">
+            <a:spAutoFit/>
+          </a:bodyPr>
+          <a:lstStyle/>
+          <a:p>
+            <a:pPr algn="ctr"/>
+            <a:r>
+              <a:rPr lang="zh-CN" altLang="en-US" sz="4000" spc="600" dirty="0">
+                <a:solidFill>
+                  <a:srgbClr val="4C678E"/>
+                </a:solidFill>
+                <a:latin typeface="思源宋体 Heavy" panose="02020900000000000000" pitchFamily="18" charset="-122"/>
+                <a:ea typeface="思源宋体 Heavy" panose="02020900000000000000" pitchFamily="18" charset="-122"/>
+              </a:rPr>
+              <a:t>特别感谢</a:t>
+            </a:r>
+          </a:p>
+        </p:txBody>
+      </p:sp>
+      <p:grpSp>
+        <p:nvGrpSpPr>
+          <p:cNvPr id="9" name="组合 8"/>
+          <p:cNvGrpSpPr/>
+          <p:nvPr/>
+        </p:nvGrpSpPr>
+        <p:grpSpPr>
+          <a:xfrm>
+            <a:off x="3850602" y="939639"/>
+            <a:ext cx="4490797" cy="0"/>
+            <a:chOff x="3893464" y="1130139"/>
+            <a:chExt cx="4490797" cy="0"/>
+          </a:xfrm>
+        </p:grpSpPr>
+        <p:cxnSp>
+          <p:nvCxnSpPr>
+            <p:cNvPr id="36" name="直接箭头连接符 25"/>
+            <p:cNvCxnSpPr/>
+            <p:nvPr/>
+          </p:nvCxnSpPr>
+          <p:spPr>
+            <a:xfrm>
+              <a:off x="3893464" y="1130139"/>
+              <a:ext cx="820497" cy="0"/>
+            </a:xfrm>
+            <a:prstGeom prst="straightConnector1">
+              <a:avLst/>
+            </a:prstGeom>
+            <a:ln>
+              <a:gradFill>
+                <a:gsLst>
+                  <a:gs pos="100000">
+                    <a:srgbClr val="4C678E">
+                      <a:alpha val="0"/>
+                    </a:srgbClr>
+                  </a:gs>
+                  <a:gs pos="0">
+                    <a:srgbClr val="4C678E"/>
+                  </a:gs>
+                </a:gsLst>
+                <a:lin ang="10800000" scaled="0"/>
+              </a:gradFill>
+              <a:tailEnd type="oval"/>
+            </a:ln>
+          </p:spPr>
+          <p:style>
+            <a:lnRef idx="1">
+              <a:schemeClr val="accent1"/>
+            </a:lnRef>
+            <a:fillRef idx="0">
+              <a:schemeClr val="accent1"/>
+            </a:fillRef>
+            <a:effectRef idx="0">
+              <a:schemeClr val="accent1"/>
+            </a:effectRef>
+            <a:fontRef idx="minor">
+              <a:schemeClr val="tx1"/>
+            </a:fontRef>
+          </p:style>
+        </p:cxnSp>
+        <p:cxnSp>
+          <p:nvCxnSpPr>
+            <p:cNvPr id="50" name="直接箭头连接符 25"/>
+            <p:cNvCxnSpPr/>
+            <p:nvPr/>
+          </p:nvCxnSpPr>
+          <p:spPr>
+            <a:xfrm flipH="1">
+              <a:off x="7563764" y="1130139"/>
+              <a:ext cx="820497" cy="0"/>
+            </a:xfrm>
+            <a:prstGeom prst="straightConnector1">
+              <a:avLst/>
+            </a:prstGeom>
+            <a:ln>
+              <a:gradFill>
+                <a:gsLst>
+                  <a:gs pos="100000">
+                    <a:srgbClr val="4C678E">
+                      <a:alpha val="0"/>
+                    </a:srgbClr>
+                  </a:gs>
+                  <a:gs pos="0">
+                    <a:srgbClr val="4C678E"/>
+                  </a:gs>
+                </a:gsLst>
+                <a:lin ang="10800000" scaled="0"/>
+              </a:gradFill>
+              <a:tailEnd type="oval"/>
+            </a:ln>
+          </p:spPr>
+          <p:style>
+            <a:lnRef idx="1">
+              <a:schemeClr val="accent1"/>
+            </a:lnRef>
+            <a:fillRef idx="0">
+              <a:schemeClr val="accent1"/>
+            </a:fillRef>
+            <a:effectRef idx="0">
+              <a:schemeClr val="accent1"/>
+            </a:effectRef>
+            <a:fontRef idx="minor">
+              <a:schemeClr val="tx1"/>
+            </a:fontRef>
+          </p:style>
+        </p:cxnSp>
+      </p:grpSp>
+      <p:grpSp>
+        <p:nvGrpSpPr>
+          <p:cNvPr id="11" name="组合 10"/>
+          <p:cNvGrpSpPr/>
+          <p:nvPr/>
+        </p:nvGrpSpPr>
+        <p:grpSpPr>
+          <a:xfrm>
+            <a:off x="70339" y="1624026"/>
+            <a:ext cx="12192000" cy="4732324"/>
+            <a:chOff x="0" y="1973943"/>
+            <a:chExt cx="12192000" cy="4884057"/>
+          </a:xfrm>
+        </p:grpSpPr>
+        <p:sp>
+          <p:nvSpPr>
+            <p:cNvPr id="15" name="矩形 14"/>
+            <p:cNvSpPr/>
+            <p:nvPr/>
+          </p:nvSpPr>
+          <p:spPr>
+            <a:xfrm>
+              <a:off x="0" y="1973943"/>
+              <a:ext cx="12192000" cy="4884057"/>
+            </a:xfrm>
+            <a:prstGeom prst="rect">
+              <a:avLst/>
+            </a:prstGeom>
+            <a:blipFill dpi="0" rotWithShape="1">
+              <a:blip r:embed="rId3"/>
+              <a:srcRect/>
+              <a:stretch>
+                <a:fillRect t="-39159" b="-39159"/>
+              </a:stretch>
+            </a:blipFill>
+            <a:ln>
+              <a:noFill/>
+            </a:ln>
+          </p:spPr>
+          <p:style>
+            <a:lnRef idx="2">
+              <a:schemeClr val="accent1">
+                <a:shade val="50000"/>
+              </a:schemeClr>
+            </a:lnRef>
+            <a:fillRef idx="1">
+              <a:schemeClr val="accent1"/>
+            </a:fillRef>
+            <a:effectRef idx="0">
+              <a:schemeClr val="accent1"/>
+            </a:effectRef>
+            <a:fontRef idx="minor">
+              <a:schemeClr val="lt1"/>
+            </a:fontRef>
+          </p:style>
+          <p:txBody>
+            <a:bodyPr rtlCol="0" anchor="ctr"/>
+            <a:lstStyle/>
+            <a:p>
+              <a:pPr algn="ctr"/>
+              <a:endParaRPr lang="zh-CN" altLang="en-US"/>
+            </a:p>
+          </p:txBody>
+        </p:sp>
+        <p:sp>
+          <p:nvSpPr>
+            <p:cNvPr id="10" name="矩形 9"/>
+            <p:cNvSpPr/>
+            <p:nvPr/>
+          </p:nvSpPr>
+          <p:spPr>
+            <a:xfrm>
+              <a:off x="0" y="1973943"/>
+              <a:ext cx="12192000" cy="4884057"/>
+            </a:xfrm>
+            <a:prstGeom prst="rect">
+              <a:avLst/>
+            </a:prstGeom>
+            <a:gradFill flip="none" rotWithShape="1">
+              <a:gsLst>
+                <a:gs pos="0">
+                  <a:srgbClr val="4C678E"/>
+                </a:gs>
+                <a:gs pos="100000">
+                  <a:srgbClr val="4C678E">
+                    <a:alpha val="76000"/>
+                  </a:srgbClr>
+                </a:gs>
+              </a:gsLst>
+              <a:lin ang="5400000" scaled="1"/>
+              <a:tileRect/>
+            </a:gradFill>
+            <a:ln>
+              <a:noFill/>
+            </a:ln>
+          </p:spPr>
+          <p:style>
+            <a:lnRef idx="2">
+              <a:schemeClr val="accent1">
+                <a:shade val="50000"/>
+              </a:schemeClr>
+            </a:lnRef>
+            <a:fillRef idx="1">
+              <a:schemeClr val="accent1"/>
+            </a:fillRef>
+            <a:effectRef idx="0">
+              <a:schemeClr val="accent1"/>
+            </a:effectRef>
+            <a:fontRef idx="minor">
+              <a:schemeClr val="lt1"/>
+            </a:fontRef>
+          </p:style>
+          <p:txBody>
+            <a:bodyPr rtlCol="0" anchor="ctr"/>
+            <a:lstStyle/>
+            <a:p>
+              <a:pPr algn="ctr"/>
+              <a:endParaRPr lang="zh-CN" altLang="en-US"/>
+            </a:p>
+          </p:txBody>
+        </p:sp>
+      </p:grpSp>
+      <p:sp>
+        <p:nvSpPr>
+          <p:cNvPr id="18" name="矩形 17"/>
+          <p:cNvSpPr/>
+          <p:nvPr/>
+        </p:nvSpPr>
+        <p:spPr>
+          <a:xfrm>
+            <a:off x="3335215" y="2076406"/>
+            <a:ext cx="5521569" cy="868956"/>
+          </a:xfrm>
+          <a:prstGeom prst="rect">
+            <a:avLst/>
+          </a:prstGeom>
+          <a:noFill/>
+        </p:spPr>
+        <p:txBody>
+          <a:bodyPr wrap="square" lIns="0" tIns="0" rIns="0" bIns="0" rtlCol="0">
+            <a:spAutoFit/>
+          </a:bodyPr>
+          <a:lstStyle/>
+          <a:p>
+            <a:pPr hangingPunct="0">
+              <a:lnSpc>
+                <a:spcPct val="150000"/>
+              </a:lnSpc>
+            </a:pPr>
+            <a:r>
+              <a:rPr lang="en-US" altLang="zh-CN" sz="2000" b="1" dirty="0">
+                <a:solidFill>
+                  <a:schemeClr val="bg1"/>
+                </a:solidFill>
+                <a:latin typeface="思源黑体 CN Bold" panose="020B0800000000000000" pitchFamily="34" charset="-122"/>
+                <a:ea typeface="思源黑体 CN Bold" panose="020B0800000000000000" pitchFamily="34" charset="-122"/>
+                <a:cs typeface="+mn-ea"/>
+                <a:sym typeface="+mn-lt"/>
+              </a:rPr>
+              <a:t>·   </a:t>
+            </a:r>
+            <a:r>
+              <a:rPr lang="zh-CN" altLang="en-US" sz="2000" b="1" dirty="0">
+                <a:solidFill>
+                  <a:schemeClr val="bg1"/>
+                </a:solidFill>
+                <a:latin typeface="思源黑体 CN Bold" panose="020B0800000000000000" pitchFamily="34" charset="-122"/>
+                <a:ea typeface="思源黑体 CN Bold" panose="020B0800000000000000" pitchFamily="34" charset="-122"/>
+                <a:cs typeface="+mn-ea"/>
+                <a:sym typeface="+mn-lt"/>
+              </a:rPr>
+              <a:t>郝宽宽老师与付博文老师耐心仔细的指导</a:t>
+            </a:r>
+            <a:endParaRPr lang="en-US" altLang="zh-CN" sz="2000" b="1" dirty="0">
+              <a:solidFill>
+                <a:schemeClr val="bg1"/>
+              </a:solidFill>
+              <a:latin typeface="思源黑体 CN Bold" panose="020B0800000000000000" pitchFamily="34" charset="-122"/>
+              <a:ea typeface="思源黑体 CN Bold" panose="020B0800000000000000" pitchFamily="34" charset="-122"/>
+              <a:cs typeface="+mn-ea"/>
+              <a:sym typeface="+mn-lt"/>
+            </a:endParaRPr>
+          </a:p>
+          <a:p>
+            <a:pPr hangingPunct="0">
+              <a:lnSpc>
+                <a:spcPct val="150000"/>
+              </a:lnSpc>
+            </a:pPr>
+            <a:r>
+              <a:rPr lang="en-US" altLang="zh-CN" sz="2000" b="1" dirty="0">
+                <a:solidFill>
+                  <a:schemeClr val="bg1"/>
+                </a:solidFill>
+                <a:latin typeface="思源黑体 CN Bold" panose="020B0800000000000000" pitchFamily="34" charset="-122"/>
+                <a:ea typeface="思源黑体 CN Bold" panose="020B0800000000000000" pitchFamily="34" charset="-122"/>
+                <a:cs typeface="+mn-ea"/>
+                <a:sym typeface="+mn-lt"/>
+              </a:rPr>
+              <a:t>·   </a:t>
+            </a:r>
+            <a:r>
+              <a:rPr lang="zh-CN" altLang="en-US" sz="2000" b="1" dirty="0">
+                <a:solidFill>
+                  <a:schemeClr val="bg1"/>
+                </a:solidFill>
+                <a:latin typeface="思源黑体 CN Bold" panose="020B0800000000000000" pitchFamily="34" charset="-122"/>
+                <a:ea typeface="思源黑体 CN Bold" panose="020B0800000000000000" pitchFamily="34" charset="-122"/>
+                <a:cs typeface="+mn-ea"/>
+                <a:sym typeface="+mn-lt"/>
+              </a:rPr>
+              <a:t>小组伙伴的一同学习与努力</a:t>
+            </a:r>
+          </a:p>
+        </p:txBody>
+      </p:sp>
+      <p:pic>
+        <p:nvPicPr>
+          <p:cNvPr id="34" name="图片 33">
+            <a:extLst>
+              <a:ext uri="{FF2B5EF4-FFF2-40B4-BE49-F238E27FC236}">
+                <a16:creationId xmlns:a16="http://schemas.microsoft.com/office/drawing/2014/main" id="{E15DA2AB-FEE4-4839-AB09-DB312AF8492B}"/>
+              </a:ext>
+            </a:extLst>
+          </p:cNvPr>
+          <p:cNvPicPr>
+            <a:picLocks noChangeAspect="1"/>
+          </p:cNvPicPr>
+          <p:nvPr/>
+        </p:nvPicPr>
+        <p:blipFill>
+          <a:blip r:embed="rId4"/>
+          <a:stretch>
+            <a:fillRect/>
+          </a:stretch>
+        </p:blipFill>
+        <p:spPr>
+          <a:xfrm>
+            <a:off x="10102310" y="286424"/>
+            <a:ext cx="1799037" cy="511010"/>
+          </a:xfrm>
+          <a:prstGeom prst="rect">
+            <a:avLst/>
+          </a:prstGeom>
+        </p:spPr>
+      </p:pic>
+      <p:sp>
+        <p:nvSpPr>
+          <p:cNvPr id="12" name="页脚占位符 11">
+            <a:extLst>
+              <a:ext uri="{FF2B5EF4-FFF2-40B4-BE49-F238E27FC236}">
+                <a16:creationId xmlns:a16="http://schemas.microsoft.com/office/drawing/2014/main" id="{3BEAFD8B-EA0A-45A5-978B-EE0DFF17349F}"/>
+              </a:ext>
+            </a:extLst>
+          </p:cNvPr>
+          <p:cNvSpPr>
+            <a:spLocks noGrp="1"/>
+          </p:cNvSpPr>
+          <p:nvPr>
+            <p:ph type="ftr" sz="quarter" idx="11"/>
+          </p:nvPr>
+        </p:nvSpPr>
+        <p:spPr/>
+        <p:txBody>
+          <a:bodyPr/>
+          <a:lstStyle/>
+          <a:p>
+            <a:r>
+              <a:rPr lang="zh-CN" altLang="en-US"/>
+              <a:t>第八组</a:t>
+            </a:r>
+          </a:p>
+        </p:txBody>
+      </p:sp>
+    </p:spTree>
+  </p:cSld>
+  <p:clrMapOvr>
+    <a:masterClrMapping/>
+  </p:clrMapOvr>
+  <mc:AlternateContent xmlns:mc="http://schemas.openxmlformats.org/markup-compatibility/2006" xmlns:p14="http://schemas.microsoft.com/office/powerpoint/2010/main">
+    <mc:Choice Requires="p14">
+      <p:transition spd="slow" p14:dur="1200" advTm="0">
+        <p14:prism/>
+      </p:transition>
+    </mc:Choice>
+    <mc:Fallback xmlns="">
+      <p:transition spd="slow" advTm="0">
+        <p:fade/>
+      </p:transition>
+    </mc:Fallback>
+  </mc:AlternateContent>
+  <p:timing>
+    <p:tnLst>
+      <p:par>
+        <p:cTn id="1" dur="indefinite" restart="never" nodeType="tmRoot">
+          <p:childTnLst>
+            <p:seq concurrent="1" nextAc="seek">
+              <p:cTn id="2" dur="indefinite" nodeType="mainSeq">
+                <p:childTnLst>
+                  <p:par>
+                    <p:cTn id="3" fill="hold">
+                      <p:stCondLst>
+                        <p:cond delay="indefinite"/>
+                        <p:cond evt="onBegin" delay="0">
+                          <p:tn val="2"/>
+                        </p:cond>
+                      </p:stCondLst>
+                      <p:childTnLst>
+                        <p:par>
+                          <p:cTn id="4" fill="hold">
+                            <p:stCondLst>
+                              <p:cond delay="0"/>
+                            </p:stCondLst>
+                            <p:childTnLst>
+                              <p:par>
+                                <p:cTn id="5" presetID="53" presetClass="entr" presetSubtype="16" fill="hold" nodeType="withEffect">
+                                  <p:stCondLst>
+                                    <p:cond delay="0"/>
+                                  </p:stCondLst>
+                                  <p:childTnLst>
+                                    <p:set>
+                                      <p:cBhvr>
+                                        <p:cTn id="6" dur="1" fill="hold">
+                                          <p:stCondLst>
+                                            <p:cond delay="0"/>
+                                          </p:stCondLst>
+                                        </p:cTn>
+                                        <p:tgtEl>
+                                          <p:spTgt spid="9"/>
+                                        </p:tgtEl>
+                                        <p:attrNameLst>
+                                          <p:attrName>style.visibility</p:attrName>
+                                        </p:attrNameLst>
+                                      </p:cBhvr>
+                                      <p:to>
+                                        <p:strVal val="visible"/>
+                                      </p:to>
+                                    </p:set>
+                                    <p:anim calcmode="lin" valueType="num">
+                                      <p:cBhvr>
+                                        <p:cTn id="7" dur="500" fill="hold"/>
+                                        <p:tgtEl>
+                                          <p:spTgt spid="9"/>
+                                        </p:tgtEl>
+                                        <p:attrNameLst>
+                                          <p:attrName>ppt_w</p:attrName>
+                                        </p:attrNameLst>
+                                      </p:cBhvr>
+                                      <p:tavLst>
+                                        <p:tav tm="0">
+                                          <p:val>
+                                            <p:fltVal val="0"/>
+                                          </p:val>
+                                        </p:tav>
+                                        <p:tav tm="100000">
+                                          <p:val>
+                                            <p:strVal val="#ppt_w"/>
+                                          </p:val>
+                                        </p:tav>
+                                      </p:tavLst>
+                                    </p:anim>
+                                    <p:anim calcmode="lin" valueType="num">
+                                      <p:cBhvr>
+                                        <p:cTn id="8" dur="500" fill="hold"/>
+                                        <p:tgtEl>
+                                          <p:spTgt spid="9"/>
+                                        </p:tgtEl>
+                                        <p:attrNameLst>
+                                          <p:attrName>ppt_h</p:attrName>
+                                        </p:attrNameLst>
+                                      </p:cBhvr>
+                                      <p:tavLst>
+                                        <p:tav tm="0">
+                                          <p:val>
+                                            <p:fltVal val="0"/>
+                                          </p:val>
+                                        </p:tav>
+                                        <p:tav tm="100000">
+                                          <p:val>
+                                            <p:strVal val="#ppt_h"/>
+                                          </p:val>
+                                        </p:tav>
+                                      </p:tavLst>
+                                    </p:anim>
+                                    <p:animEffect transition="in" filter="fade">
+                                      <p:cBhvr>
+                                        <p:cTn id="9" dur="500"/>
+                                        <p:tgtEl>
+                                          <p:spTgt spid="9"/>
+                                        </p:tgtEl>
+                                      </p:cBhvr>
+                                    </p:animEffect>
+                                  </p:childTnLst>
+                                </p:cTn>
+                              </p:par>
+                              <p:par>
+                                <p:cTn id="10" presetID="42" presetClass="entr" presetSubtype="0" fill="hold" grpId="0" nodeType="withEffect">
+                                  <p:stCondLst>
+                                    <p:cond delay="0"/>
+                                  </p:stCondLst>
+                                  <p:childTnLst>
+                                    <p:set>
+                                      <p:cBhvr>
+                                        <p:cTn id="11" dur="1" fill="hold">
+                                          <p:stCondLst>
+                                            <p:cond delay="0"/>
+                                          </p:stCondLst>
+                                        </p:cTn>
+                                        <p:tgtEl>
+                                          <p:spTgt spid="17"/>
+                                        </p:tgtEl>
+                                        <p:attrNameLst>
+                                          <p:attrName>style.visibility</p:attrName>
+                                        </p:attrNameLst>
+                                      </p:cBhvr>
+                                      <p:to>
+                                        <p:strVal val="visible"/>
+                                      </p:to>
+                                    </p:set>
+                                    <p:animEffect transition="in" filter="fade">
+                                      <p:cBhvr>
+                                        <p:cTn id="12" dur="1000"/>
+                                        <p:tgtEl>
+                                          <p:spTgt spid="17"/>
+                                        </p:tgtEl>
+                                      </p:cBhvr>
+                                    </p:animEffect>
+                                    <p:anim calcmode="lin" valueType="num">
+                                      <p:cBhvr>
+                                        <p:cTn id="13" dur="1000" fill="hold"/>
+                                        <p:tgtEl>
+                                          <p:spTgt spid="17"/>
+                                        </p:tgtEl>
+                                        <p:attrNameLst>
+                                          <p:attrName>ppt_x</p:attrName>
+                                        </p:attrNameLst>
+                                      </p:cBhvr>
+                                      <p:tavLst>
+                                        <p:tav tm="0">
+                                          <p:val>
+                                            <p:strVal val="#ppt_x"/>
+                                          </p:val>
+                                        </p:tav>
+                                        <p:tav tm="100000">
+                                          <p:val>
+                                            <p:strVal val="#ppt_x"/>
+                                          </p:val>
+                                        </p:tav>
+                                      </p:tavLst>
+                                    </p:anim>
+                                    <p:anim calcmode="lin" valueType="num">
+                                      <p:cBhvr>
+                                        <p:cTn id="14" dur="1000" fill="hold"/>
+                                        <p:tgtEl>
+                                          <p:spTgt spid="17"/>
+                                        </p:tgtEl>
+                                        <p:attrNameLst>
+                                          <p:attrName>ppt_y</p:attrName>
+                                        </p:attrNameLst>
+                                      </p:cBhvr>
+                                      <p:tavLst>
+                                        <p:tav tm="0">
+                                          <p:val>
+                                            <p:strVal val="#ppt_y+.1"/>
+                                          </p:val>
+                                        </p:tav>
+                                        <p:tav tm="100000">
+                                          <p:val>
+                                            <p:strVal val="#ppt_y"/>
+                                          </p:val>
+                                        </p:tav>
+                                      </p:tavLst>
+                                    </p:anim>
+                                  </p:childTnLst>
+                                </p:cTn>
+                              </p:par>
+                              <p:par>
+                                <p:cTn id="15" presetID="53" presetClass="entr" presetSubtype="16" fill="hold" grpId="0" nodeType="withEffect">
+                                  <p:stCondLst>
+                                    <p:cond delay="0"/>
+                                  </p:stCondLst>
+                                  <p:childTnLst>
+                                    <p:set>
+                                      <p:cBhvr>
+                                        <p:cTn id="16" dur="1" fill="hold">
+                                          <p:stCondLst>
+                                            <p:cond delay="0"/>
+                                          </p:stCondLst>
+                                        </p:cTn>
+                                        <p:tgtEl>
+                                          <p:spTgt spid="33"/>
+                                        </p:tgtEl>
+                                        <p:attrNameLst>
+                                          <p:attrName>style.visibility</p:attrName>
+                                        </p:attrNameLst>
+                                      </p:cBhvr>
+                                      <p:to>
+                                        <p:strVal val="visible"/>
+                                      </p:to>
+                                    </p:set>
+                                    <p:anim calcmode="lin" valueType="num">
+                                      <p:cBhvr>
+                                        <p:cTn id="17" dur="500" fill="hold"/>
+                                        <p:tgtEl>
+                                          <p:spTgt spid="33"/>
+                                        </p:tgtEl>
+                                        <p:attrNameLst>
+                                          <p:attrName>ppt_w</p:attrName>
+                                        </p:attrNameLst>
+                                      </p:cBhvr>
+                                      <p:tavLst>
+                                        <p:tav tm="0">
+                                          <p:val>
+                                            <p:fltVal val="0"/>
+                                          </p:val>
+                                        </p:tav>
+                                        <p:tav tm="100000">
+                                          <p:val>
+                                            <p:strVal val="#ppt_w"/>
+                                          </p:val>
+                                        </p:tav>
+                                      </p:tavLst>
+                                    </p:anim>
+                                    <p:anim calcmode="lin" valueType="num">
+                                      <p:cBhvr>
+                                        <p:cTn id="18" dur="500" fill="hold"/>
+                                        <p:tgtEl>
+                                          <p:spTgt spid="33"/>
+                                        </p:tgtEl>
+                                        <p:attrNameLst>
+                                          <p:attrName>ppt_h</p:attrName>
+                                        </p:attrNameLst>
+                                      </p:cBhvr>
+                                      <p:tavLst>
+                                        <p:tav tm="0">
+                                          <p:val>
+                                            <p:fltVal val="0"/>
+                                          </p:val>
+                                        </p:tav>
+                                        <p:tav tm="100000">
+                                          <p:val>
+                                            <p:strVal val="#ppt_h"/>
+                                          </p:val>
+                                        </p:tav>
+                                      </p:tavLst>
+                                    </p:anim>
+                                    <p:animEffect transition="in" filter="fade">
+                                      <p:cBhvr>
+                                        <p:cTn id="19" dur="500"/>
+                                        <p:tgtEl>
+                                          <p:spTgt spid="33"/>
+                                        </p:tgtEl>
+                                      </p:cBhvr>
+                                    </p:animEffect>
+                                  </p:childTnLst>
+                                </p:cTn>
+                              </p:par>
+                            </p:childTnLst>
+                          </p:cTn>
+                        </p:par>
+                      </p:childTnLst>
+                    </p:cTn>
+                  </p:par>
+                  <p:par>
+                    <p:cTn id="20" fill="hold">
+                      <p:stCondLst>
+                        <p:cond delay="indefinite"/>
+                      </p:stCondLst>
+                      <p:childTnLst>
+                        <p:par>
+                          <p:cTn id="21" fill="hold">
+                            <p:stCondLst>
+                              <p:cond delay="0"/>
+                            </p:stCondLst>
+                            <p:childTnLst>
+                              <p:par>
+                                <p:cTn id="22" presetID="42" presetClass="entr" presetSubtype="0" fill="hold" nodeType="clickEffect">
+                                  <p:stCondLst>
+                                    <p:cond delay="0"/>
+                                  </p:stCondLst>
+                                  <p:childTnLst>
+                                    <p:set>
+                                      <p:cBhvr>
+                                        <p:cTn id="23" dur="1" fill="hold">
+                                          <p:stCondLst>
+                                            <p:cond delay="0"/>
+                                          </p:stCondLst>
+                                        </p:cTn>
+                                        <p:tgtEl>
+                                          <p:spTgt spid="11"/>
+                                        </p:tgtEl>
+                                        <p:attrNameLst>
+                                          <p:attrName>style.visibility</p:attrName>
+                                        </p:attrNameLst>
+                                      </p:cBhvr>
+                                      <p:to>
+                                        <p:strVal val="visible"/>
+                                      </p:to>
+                                    </p:set>
+                                    <p:animEffect transition="in" filter="fade">
+                                      <p:cBhvr>
+                                        <p:cTn id="24" dur="1000"/>
+                                        <p:tgtEl>
+                                          <p:spTgt spid="11"/>
+                                        </p:tgtEl>
+                                      </p:cBhvr>
+                                    </p:animEffect>
+                                    <p:anim calcmode="lin" valueType="num">
+                                      <p:cBhvr>
+                                        <p:cTn id="25" dur="1000" fill="hold"/>
+                                        <p:tgtEl>
+                                          <p:spTgt spid="11"/>
+                                        </p:tgtEl>
+                                        <p:attrNameLst>
+                                          <p:attrName>ppt_x</p:attrName>
+                                        </p:attrNameLst>
+                                      </p:cBhvr>
+                                      <p:tavLst>
+                                        <p:tav tm="0">
+                                          <p:val>
+                                            <p:strVal val="#ppt_x"/>
+                                          </p:val>
+                                        </p:tav>
+                                        <p:tav tm="100000">
+                                          <p:val>
+                                            <p:strVal val="#ppt_x"/>
+                                          </p:val>
+                                        </p:tav>
+                                      </p:tavLst>
+                                    </p:anim>
+                                    <p:anim calcmode="lin" valueType="num">
+                                      <p:cBhvr>
+                                        <p:cTn id="26" dur="1000" fill="hold"/>
+                                        <p:tgtEl>
+                                          <p:spTgt spid="11"/>
+                                        </p:tgtEl>
+                                        <p:attrNameLst>
+                                          <p:attrName>ppt_y</p:attrName>
+                                        </p:attrNameLst>
+                                      </p:cBhvr>
+                                      <p:tavLst>
+                                        <p:tav tm="0">
+                                          <p:val>
+                                            <p:strVal val="#ppt_y+.1"/>
+                                          </p:val>
+                                        </p:tav>
+                                        <p:tav tm="100000">
+                                          <p:val>
+                                            <p:strVal val="#ppt_y"/>
+                                          </p:val>
+                                        </p:tav>
+                                      </p:tavLst>
+                                    </p:anim>
+                                  </p:childTnLst>
+                                </p:cTn>
+                              </p:par>
+                            </p:childTnLst>
+                          </p:cTn>
+                        </p:par>
+                      </p:childTnLst>
+                    </p:cTn>
+                  </p:par>
+                </p:childTnLst>
+              </p:cTn>
+              <p:prevCondLst>
+                <p:cond evt="onPrev" delay="0">
+                  <p:tgtEl>
+                    <p:sldTgt/>
+                  </p:tgtEl>
+                </p:cond>
+              </p:prevCondLst>
+              <p:nextCondLst>
+                <p:cond evt="onNext" delay="0">
+                  <p:tgtEl>
+                    <p:sldTgt/>
+                  </p:tgtEl>
+                </p:cond>
+              </p:nextCondLst>
+            </p:seq>
+          </p:childTnLst>
+        </p:cTn>
+      </p:par>
+    </p:tnLst>
+    <p:bldLst>
+      <p:bldP spid="17" grpId="0"/>
+      <p:bldP spid="33" grpId="0"/>
+    </p:bldLst>
+  </p:timing>
+</p:sld>
+</file>
+
+<file path=ppt/slides/slide11.xml><?xml version="1.0" encoding="utf-8"?>
 <p:sld xmlns:a="http://schemas.openxmlformats.org/drawingml/2006/main" xmlns:r="http://schemas.openxmlformats.org/officeDocument/2006/relationships" xmlns:p="http://schemas.openxmlformats.org/presentationml/2006/main">
   <p:cSld>
     <p:spTree>
@@ -13290,6 +14484,807 @@
       </p:grpSp>
       <p:sp>
         <p:nvSpPr>
+          <p:cNvPr id="28" name="矩形 27"/>
+          <p:cNvSpPr/>
+          <p:nvPr/>
+        </p:nvSpPr>
+        <p:spPr>
+          <a:xfrm>
+            <a:off x="6731000" y="4686997"/>
+            <a:ext cx="3505200" cy="700385"/>
+          </a:xfrm>
+          <a:prstGeom prst="rect">
+            <a:avLst/>
+          </a:prstGeom>
+          <a:noFill/>
+        </p:spPr>
+        <p:txBody>
+          <a:bodyPr wrap="square" lIns="0" tIns="0" rIns="0" bIns="0" rtlCol="0">
+            <a:spAutoFit/>
+          </a:bodyPr>
+          <a:lstStyle/>
+          <a:p>
+            <a:pPr hangingPunct="0">
+              <a:lnSpc>
+                <a:spcPct val="150000"/>
+              </a:lnSpc>
+            </a:pPr>
+            <a:r>
+              <a:rPr lang="zh-CN" altLang="en-US" sz="1600" dirty="0">
+                <a:solidFill>
+                  <a:schemeClr val="bg1"/>
+                </a:solidFill>
+                <a:latin typeface="思源黑体 CN Normal" panose="020B0400000000000000" pitchFamily="34" charset="-122"/>
+                <a:ea typeface="思源黑体 CN Normal" panose="020B0400000000000000" pitchFamily="34" charset="-122"/>
+                <a:cs typeface="+mn-ea"/>
+                <a:sym typeface="+mn-lt"/>
+              </a:rPr>
+              <a:t>点击这里，输入您的文本文字，更改文字的颜色或者大小属性。</a:t>
+            </a:r>
+          </a:p>
+        </p:txBody>
+      </p:sp>
+      <p:pic>
+        <p:nvPicPr>
+          <p:cNvPr id="31" name="图片 30">
+            <a:extLst>
+              <a:ext uri="{FF2B5EF4-FFF2-40B4-BE49-F238E27FC236}">
+                <a16:creationId xmlns:a16="http://schemas.microsoft.com/office/drawing/2014/main" id="{DEBBA96B-7970-48CA-A09E-D2A057C5D574}"/>
+              </a:ext>
+            </a:extLst>
+          </p:cNvPr>
+          <p:cNvPicPr>
+            <a:picLocks noChangeAspect="1"/>
+          </p:cNvPicPr>
+          <p:nvPr/>
+        </p:nvPicPr>
+        <p:blipFill>
+          <a:blip r:embed="rId3"/>
+          <a:stretch>
+            <a:fillRect/>
+          </a:stretch>
+        </p:blipFill>
+        <p:spPr>
+          <a:xfrm>
+            <a:off x="10102310" y="286424"/>
+            <a:ext cx="1799037" cy="511010"/>
+          </a:xfrm>
+          <a:prstGeom prst="rect">
+            <a:avLst/>
+          </a:prstGeom>
+        </p:spPr>
+      </p:pic>
+      <p:cxnSp>
+        <p:nvCxnSpPr>
+          <p:cNvPr id="23" name="直接箭头连接符 25">
+            <a:extLst>
+              <a:ext uri="{FF2B5EF4-FFF2-40B4-BE49-F238E27FC236}">
+                <a16:creationId xmlns:a16="http://schemas.microsoft.com/office/drawing/2014/main" id="{E034C86D-C01E-43FA-94B1-896F0E6234DF}"/>
+              </a:ext>
+            </a:extLst>
+          </p:cNvPr>
+          <p:cNvCxnSpPr>
+            <a:cxnSpLocks/>
+          </p:cNvCxnSpPr>
+          <p:nvPr/>
+        </p:nvCxnSpPr>
+        <p:spPr>
+          <a:xfrm>
+            <a:off x="461473" y="797434"/>
+            <a:ext cx="675118" cy="0"/>
+          </a:xfrm>
+          <a:prstGeom prst="straightConnector1">
+            <a:avLst/>
+          </a:prstGeom>
+          <a:ln>
+            <a:gradFill>
+              <a:gsLst>
+                <a:gs pos="100000">
+                  <a:srgbClr val="4C678E">
+                    <a:alpha val="0"/>
+                  </a:srgbClr>
+                </a:gs>
+                <a:gs pos="0">
+                  <a:srgbClr val="4C678E"/>
+                </a:gs>
+              </a:gsLst>
+              <a:lin ang="10800000" scaled="0"/>
+            </a:gradFill>
+            <a:tailEnd type="oval"/>
+          </a:ln>
+        </p:spPr>
+        <p:style>
+          <a:lnRef idx="1">
+            <a:schemeClr val="accent1"/>
+          </a:lnRef>
+          <a:fillRef idx="0">
+            <a:schemeClr val="accent1"/>
+          </a:fillRef>
+          <a:effectRef idx="0">
+            <a:schemeClr val="accent1"/>
+          </a:effectRef>
+          <a:fontRef idx="minor">
+            <a:schemeClr val="tx1"/>
+          </a:fontRef>
+        </p:style>
+      </p:cxnSp>
+      <p:cxnSp>
+        <p:nvCxnSpPr>
+          <p:cNvPr id="35" name="直接箭头连接符 25">
+            <a:extLst>
+              <a:ext uri="{FF2B5EF4-FFF2-40B4-BE49-F238E27FC236}">
+                <a16:creationId xmlns:a16="http://schemas.microsoft.com/office/drawing/2014/main" id="{4D2BA591-D92D-4F98-B369-093E413847F6}"/>
+              </a:ext>
+            </a:extLst>
+          </p:cNvPr>
+          <p:cNvCxnSpPr>
+            <a:cxnSpLocks/>
+          </p:cNvCxnSpPr>
+          <p:nvPr/>
+        </p:nvCxnSpPr>
+        <p:spPr>
+          <a:xfrm flipH="1">
+            <a:off x="3712009" y="792057"/>
+            <a:ext cx="653181" cy="0"/>
+          </a:xfrm>
+          <a:prstGeom prst="straightConnector1">
+            <a:avLst/>
+          </a:prstGeom>
+          <a:ln>
+            <a:gradFill>
+              <a:gsLst>
+                <a:gs pos="100000">
+                  <a:srgbClr val="4C678E">
+                    <a:alpha val="0"/>
+                  </a:srgbClr>
+                </a:gs>
+                <a:gs pos="0">
+                  <a:srgbClr val="4C678E"/>
+                </a:gs>
+              </a:gsLst>
+              <a:lin ang="10800000" scaled="0"/>
+            </a:gradFill>
+            <a:tailEnd type="oval"/>
+          </a:ln>
+        </p:spPr>
+        <p:style>
+          <a:lnRef idx="1">
+            <a:schemeClr val="accent1"/>
+          </a:lnRef>
+          <a:fillRef idx="0">
+            <a:schemeClr val="accent1"/>
+          </a:fillRef>
+          <a:effectRef idx="0">
+            <a:schemeClr val="accent1"/>
+          </a:effectRef>
+          <a:fontRef idx="minor">
+            <a:schemeClr val="tx1"/>
+          </a:fontRef>
+        </p:style>
+      </p:cxnSp>
+      <p:sp>
+        <p:nvSpPr>
+          <p:cNvPr id="10" name="文本框 9">
+            <a:extLst>
+              <a:ext uri="{FF2B5EF4-FFF2-40B4-BE49-F238E27FC236}">
+                <a16:creationId xmlns:a16="http://schemas.microsoft.com/office/drawing/2014/main" id="{D223B5FE-DE61-4526-A475-F09BEB581B8C}"/>
+              </a:ext>
+            </a:extLst>
+          </p:cNvPr>
+          <p:cNvSpPr txBox="1"/>
+          <p:nvPr/>
+        </p:nvSpPr>
+        <p:spPr>
+          <a:xfrm>
+            <a:off x="1136591" y="505046"/>
+            <a:ext cx="2133918" cy="584775"/>
+          </a:xfrm>
+          <a:prstGeom prst="rect">
+            <a:avLst/>
+          </a:prstGeom>
+          <a:noFill/>
+        </p:spPr>
+        <p:txBody>
+          <a:bodyPr wrap="none" rtlCol="0">
+            <a:spAutoFit/>
+          </a:bodyPr>
+          <a:lstStyle/>
+          <a:p>
+            <a:r>
+              <a:rPr lang="zh-CN" altLang="en-US" sz="3200" spc="600" dirty="0">
+                <a:solidFill>
+                  <a:srgbClr val="4C678E"/>
+                </a:solidFill>
+                <a:ea typeface="思源宋体 Heavy" panose="02020900000000000000" pitchFamily="18" charset="-122"/>
+              </a:rPr>
+              <a:t>实物展示</a:t>
+            </a:r>
+          </a:p>
+        </p:txBody>
+      </p:sp>
+      <p:sp>
+        <p:nvSpPr>
+          <p:cNvPr id="11" name="文本框 10">
+            <a:extLst>
+              <a:ext uri="{FF2B5EF4-FFF2-40B4-BE49-F238E27FC236}">
+                <a16:creationId xmlns:a16="http://schemas.microsoft.com/office/drawing/2014/main" id="{2E7D84F8-D8DC-46E0-A568-B9DC795227F2}"/>
+              </a:ext>
+            </a:extLst>
+          </p:cNvPr>
+          <p:cNvSpPr txBox="1"/>
+          <p:nvPr/>
+        </p:nvSpPr>
+        <p:spPr>
+          <a:xfrm>
+            <a:off x="1136591" y="1079067"/>
+            <a:ext cx="6311343" cy="505523"/>
+          </a:xfrm>
+          <a:prstGeom prst="rect">
+            <a:avLst/>
+          </a:prstGeom>
+          <a:noFill/>
+        </p:spPr>
+        <p:txBody>
+          <a:bodyPr wrap="none" rtlCol="0">
+            <a:spAutoFit/>
+          </a:bodyPr>
+          <a:lstStyle/>
+          <a:p>
+            <a:pPr marL="342900" indent="-342900" hangingPunct="0">
+              <a:lnSpc>
+                <a:spcPct val="150000"/>
+              </a:lnSpc>
+              <a:buFont typeface="Arial" panose="020B0604020202020204" pitchFamily="34" charset="0"/>
+              <a:buChar char="•"/>
+            </a:pPr>
+            <a:r>
+              <a:rPr lang="zh-CN" altLang="en-US" sz="2000" b="1" dirty="0">
+                <a:solidFill>
+                  <a:srgbClr val="4C678E"/>
+                </a:solidFill>
+                <a:ea typeface="思源黑体 CN Bold" panose="020B0800000000000000" pitchFamily="34" charset="-122"/>
+                <a:cs typeface="+mn-ea"/>
+              </a:rPr>
+              <a:t>数据发布在</a:t>
+            </a:r>
+            <a:r>
+              <a:rPr lang="en-US" altLang="zh-CN" sz="2000" b="1" dirty="0">
+                <a:solidFill>
+                  <a:srgbClr val="4C678E"/>
+                </a:solidFill>
+                <a:ea typeface="思源黑体 CN Bold" panose="020B0800000000000000" pitchFamily="34" charset="-122"/>
+                <a:cs typeface="+mn-ea"/>
+              </a:rPr>
+              <a:t>https://io.adafruit.com/coderzzx/feeds</a:t>
+            </a:r>
+            <a:endParaRPr lang="zh-CN" altLang="en-US" sz="2000" b="1" dirty="0">
+              <a:solidFill>
+                <a:srgbClr val="4C678E"/>
+              </a:solidFill>
+              <a:ea typeface="思源黑体 CN Bold" panose="020B0800000000000000" pitchFamily="34" charset="-122"/>
+              <a:cs typeface="+mn-ea"/>
+            </a:endParaRPr>
+          </a:p>
+        </p:txBody>
+      </p:sp>
+      <p:sp>
+        <p:nvSpPr>
+          <p:cNvPr id="12" name="文本框 11">
+            <a:extLst>
+              <a:ext uri="{FF2B5EF4-FFF2-40B4-BE49-F238E27FC236}">
+                <a16:creationId xmlns:a16="http://schemas.microsoft.com/office/drawing/2014/main" id="{022114DF-1420-483A-828A-51B7D1014202}"/>
+              </a:ext>
+            </a:extLst>
+          </p:cNvPr>
+          <p:cNvSpPr txBox="1"/>
+          <p:nvPr/>
+        </p:nvSpPr>
+        <p:spPr>
+          <a:xfrm>
+            <a:off x="1401510" y="2726108"/>
+            <a:ext cx="184731" cy="369332"/>
+          </a:xfrm>
+          <a:prstGeom prst="rect">
+            <a:avLst/>
+          </a:prstGeom>
+          <a:noFill/>
+        </p:spPr>
+        <p:txBody>
+          <a:bodyPr wrap="none" rtlCol="0">
+            <a:spAutoFit/>
+          </a:bodyPr>
+          <a:lstStyle/>
+          <a:p>
+            <a:endParaRPr lang="zh-CN" altLang="en-US" dirty="0"/>
+          </a:p>
+        </p:txBody>
+      </p:sp>
+      <p:sp>
+        <p:nvSpPr>
+          <p:cNvPr id="19" name="页脚占位符 18">
+            <a:extLst>
+              <a:ext uri="{FF2B5EF4-FFF2-40B4-BE49-F238E27FC236}">
+                <a16:creationId xmlns:a16="http://schemas.microsoft.com/office/drawing/2014/main" id="{A4E00881-096C-4451-A05A-96489604D4B9}"/>
+              </a:ext>
+            </a:extLst>
+          </p:cNvPr>
+          <p:cNvSpPr>
+            <a:spLocks noGrp="1"/>
+          </p:cNvSpPr>
+          <p:nvPr>
+            <p:ph type="ftr" sz="quarter" idx="11"/>
+          </p:nvPr>
+        </p:nvSpPr>
+        <p:spPr/>
+        <p:txBody>
+          <a:bodyPr/>
+          <a:lstStyle/>
+          <a:p>
+            <a:r>
+              <a:rPr lang="zh-CN" altLang="en-US"/>
+              <a:t>第八组</a:t>
+            </a:r>
+          </a:p>
+        </p:txBody>
+      </p:sp>
+      <p:pic>
+        <p:nvPicPr>
+          <p:cNvPr id="13" name="图片 12">
+            <a:extLst>
+              <a:ext uri="{FF2B5EF4-FFF2-40B4-BE49-F238E27FC236}">
+                <a16:creationId xmlns:a16="http://schemas.microsoft.com/office/drawing/2014/main" id="{EEADEB68-23EE-4C36-B9E0-4D07AFB1F66B}"/>
+              </a:ext>
+            </a:extLst>
+          </p:cNvPr>
+          <p:cNvPicPr>
+            <a:picLocks noChangeAspect="1"/>
+          </p:cNvPicPr>
+          <p:nvPr/>
+        </p:nvPicPr>
+        <p:blipFill>
+          <a:blip r:embed="rId4">
+            <a:extLst>
+              <a:ext uri="{28A0092B-C50C-407E-A947-70E740481C1C}">
+                <a14:useLocalDpi xmlns:a14="http://schemas.microsoft.com/office/drawing/2010/main" val="0"/>
+              </a:ext>
+            </a:extLst>
+          </a:blip>
+          <a:stretch>
+            <a:fillRect/>
+          </a:stretch>
+        </p:blipFill>
+        <p:spPr>
+          <a:xfrm>
+            <a:off x="863125" y="1661106"/>
+            <a:ext cx="5018278" cy="2258225"/>
+          </a:xfrm>
+          <a:prstGeom prst="rect">
+            <a:avLst/>
+          </a:prstGeom>
+        </p:spPr>
+      </p:pic>
+      <p:pic>
+        <p:nvPicPr>
+          <p:cNvPr id="15" name="图片 14">
+            <a:extLst>
+              <a:ext uri="{FF2B5EF4-FFF2-40B4-BE49-F238E27FC236}">
+                <a16:creationId xmlns:a16="http://schemas.microsoft.com/office/drawing/2014/main" id="{889D0481-2D29-44E9-B166-76F153AA6334}"/>
+              </a:ext>
+            </a:extLst>
+          </p:cNvPr>
+          <p:cNvPicPr>
+            <a:picLocks noChangeAspect="1"/>
+          </p:cNvPicPr>
+          <p:nvPr/>
+        </p:nvPicPr>
+        <p:blipFill>
+          <a:blip r:embed="rId5">
+            <a:extLst>
+              <a:ext uri="{28A0092B-C50C-407E-A947-70E740481C1C}">
+                <a14:useLocalDpi xmlns:a14="http://schemas.microsoft.com/office/drawing/2010/main" val="0"/>
+              </a:ext>
+            </a:extLst>
+          </a:blip>
+          <a:stretch>
+            <a:fillRect/>
+          </a:stretch>
+        </p:blipFill>
+        <p:spPr>
+          <a:xfrm>
+            <a:off x="6096000" y="1661105"/>
+            <a:ext cx="5018278" cy="2258225"/>
+          </a:xfrm>
+          <a:prstGeom prst="rect">
+            <a:avLst/>
+          </a:prstGeom>
+        </p:spPr>
+      </p:pic>
+      <p:pic>
+        <p:nvPicPr>
+          <p:cNvPr id="21" name="图片 20">
+            <a:extLst>
+              <a:ext uri="{FF2B5EF4-FFF2-40B4-BE49-F238E27FC236}">
+                <a16:creationId xmlns:a16="http://schemas.microsoft.com/office/drawing/2014/main" id="{E53150FA-27A5-4294-B8A5-63AE1CFF50E4}"/>
+              </a:ext>
+            </a:extLst>
+          </p:cNvPr>
+          <p:cNvPicPr>
+            <a:picLocks noChangeAspect="1"/>
+          </p:cNvPicPr>
+          <p:nvPr/>
+        </p:nvPicPr>
+        <p:blipFill>
+          <a:blip r:embed="rId6">
+            <a:extLst>
+              <a:ext uri="{28A0092B-C50C-407E-A947-70E740481C1C}">
+                <a14:useLocalDpi xmlns:a14="http://schemas.microsoft.com/office/drawing/2010/main" val="0"/>
+              </a:ext>
+            </a:extLst>
+          </a:blip>
+          <a:stretch>
+            <a:fillRect/>
+          </a:stretch>
+        </p:blipFill>
+        <p:spPr>
+          <a:xfrm>
+            <a:off x="863124" y="4067781"/>
+            <a:ext cx="5018279" cy="2258225"/>
+          </a:xfrm>
+          <a:prstGeom prst="rect">
+            <a:avLst/>
+          </a:prstGeom>
+        </p:spPr>
+      </p:pic>
+      <p:pic>
+        <p:nvPicPr>
+          <p:cNvPr id="24" name="图片 23">
+            <a:extLst>
+              <a:ext uri="{FF2B5EF4-FFF2-40B4-BE49-F238E27FC236}">
+                <a16:creationId xmlns:a16="http://schemas.microsoft.com/office/drawing/2014/main" id="{C9B668B7-39CC-48FD-9030-92419D7F2A95}"/>
+              </a:ext>
+            </a:extLst>
+          </p:cNvPr>
+          <p:cNvPicPr>
+            <a:picLocks noChangeAspect="1"/>
+          </p:cNvPicPr>
+          <p:nvPr/>
+        </p:nvPicPr>
+        <p:blipFill>
+          <a:blip r:embed="rId7">
+            <a:extLst>
+              <a:ext uri="{28A0092B-C50C-407E-A947-70E740481C1C}">
+                <a14:useLocalDpi xmlns:a14="http://schemas.microsoft.com/office/drawing/2010/main" val="0"/>
+              </a:ext>
+            </a:extLst>
+          </a:blip>
+          <a:stretch>
+            <a:fillRect/>
+          </a:stretch>
+        </p:blipFill>
+        <p:spPr>
+          <a:xfrm>
+            <a:off x="6096000" y="4061711"/>
+            <a:ext cx="5018276" cy="2258224"/>
+          </a:xfrm>
+          <a:prstGeom prst="rect">
+            <a:avLst/>
+          </a:prstGeom>
+        </p:spPr>
+      </p:pic>
+      <p:pic>
+        <p:nvPicPr>
+          <p:cNvPr id="29" name="图片 28">
+            <a:extLst>
+              <a:ext uri="{FF2B5EF4-FFF2-40B4-BE49-F238E27FC236}">
+                <a16:creationId xmlns:a16="http://schemas.microsoft.com/office/drawing/2014/main" id="{0849E391-4B29-4797-829D-62BE7E34A401}"/>
+              </a:ext>
+            </a:extLst>
+          </p:cNvPr>
+          <p:cNvPicPr>
+            <a:picLocks noChangeAspect="1"/>
+          </p:cNvPicPr>
+          <p:nvPr/>
+        </p:nvPicPr>
+        <p:blipFill>
+          <a:blip r:embed="rId8">
+            <a:extLst>
+              <a:ext uri="{28A0092B-C50C-407E-A947-70E740481C1C}">
+                <a14:useLocalDpi xmlns:a14="http://schemas.microsoft.com/office/drawing/2010/main" val="0"/>
+              </a:ext>
+            </a:extLst>
+          </a:blip>
+          <a:stretch>
+            <a:fillRect/>
+          </a:stretch>
+        </p:blipFill>
+        <p:spPr>
+          <a:xfrm>
+            <a:off x="3115900" y="541929"/>
+            <a:ext cx="512726" cy="512726"/>
+          </a:xfrm>
+          <a:prstGeom prst="rect">
+            <a:avLst/>
+          </a:prstGeom>
+        </p:spPr>
+      </p:pic>
+    </p:spTree>
+    <p:extLst>
+      <p:ext uri="{BB962C8B-B14F-4D97-AF65-F5344CB8AC3E}">
+        <p14:creationId xmlns:p14="http://schemas.microsoft.com/office/powerpoint/2010/main" val="3394962231"/>
+      </p:ext>
+    </p:extLst>
+  </p:cSld>
+  <p:clrMapOvr>
+    <a:masterClrMapping/>
+  </p:clrMapOvr>
+  <mc:AlternateContent xmlns:mc="http://schemas.openxmlformats.org/markup-compatibility/2006">
+    <mc:Choice xmlns:p14="http://schemas.microsoft.com/office/powerpoint/2010/main" Requires="p14">
+      <p:transition spd="slow" p14:dur="1200" advTm="0">
+        <p14:prism/>
+      </p:transition>
+    </mc:Choice>
+    <mc:Fallback>
+      <p:transition spd="slow" advTm="0">
+        <p:fade/>
+      </p:transition>
+    </mc:Fallback>
+  </mc:AlternateContent>
+</p:sld>
+</file>
+
+<file path=ppt/slides/slide6.xml><?xml version="1.0" encoding="utf-8"?>
+<p:sld xmlns:a="http://schemas.openxmlformats.org/drawingml/2006/main" xmlns:r="http://schemas.openxmlformats.org/officeDocument/2006/relationships" xmlns:p="http://schemas.openxmlformats.org/presentationml/2006/main">
+  <p:cSld>
+    <p:spTree>
+      <p:nvGrpSpPr>
+        <p:cNvPr id="1" name=""/>
+        <p:cNvGrpSpPr/>
+        <p:nvPr/>
+      </p:nvGrpSpPr>
+      <p:grpSpPr>
+        <a:xfrm>
+          <a:off x="0" y="0"/>
+          <a:ext cx="0" cy="0"/>
+          <a:chOff x="0" y="0"/>
+          <a:chExt cx="0" cy="0"/>
+        </a:xfrm>
+      </p:grpSpPr>
+      <p:grpSp>
+        <p:nvGrpSpPr>
+          <p:cNvPr id="8" name="组合 7"/>
+          <p:cNvGrpSpPr/>
+          <p:nvPr/>
+        </p:nvGrpSpPr>
+        <p:grpSpPr>
+          <a:xfrm>
+            <a:off x="-698500" y="-582990"/>
+            <a:ext cx="13589000" cy="8023980"/>
+            <a:chOff x="-863600" y="-584200"/>
+            <a:chExt cx="13335000" cy="7874000"/>
+          </a:xfrm>
+          <a:solidFill>
+            <a:srgbClr val="E6E6E6"/>
+          </a:solidFill>
+        </p:grpSpPr>
+        <p:grpSp>
+          <p:nvGrpSpPr>
+            <p:cNvPr id="4" name="组合 3"/>
+            <p:cNvGrpSpPr/>
+            <p:nvPr/>
+          </p:nvGrpSpPr>
+          <p:grpSpPr>
+            <a:xfrm>
+              <a:off x="-863600" y="-584200"/>
+              <a:ext cx="165100" cy="7874000"/>
+              <a:chOff x="-863600" y="-584200"/>
+              <a:chExt cx="165100" cy="7874000"/>
+            </a:xfrm>
+            <a:grpFill/>
+          </p:grpSpPr>
+          <p:sp>
+            <p:nvSpPr>
+              <p:cNvPr id="2" name="椭圆 1"/>
+              <p:cNvSpPr/>
+              <p:nvPr/>
+            </p:nvSpPr>
+            <p:spPr>
+              <a:xfrm>
+                <a:off x="-863600" y="-584200"/>
+                <a:ext cx="165100" cy="165100"/>
+              </a:xfrm>
+              <a:prstGeom prst="ellipse">
+                <a:avLst/>
+              </a:prstGeom>
+              <a:grpFill/>
+              <a:ln>
+                <a:solidFill>
+                  <a:srgbClr val="00B0F0"/>
+                </a:solidFill>
+              </a:ln>
+            </p:spPr>
+            <p:style>
+              <a:lnRef idx="2">
+                <a:schemeClr val="accent1">
+                  <a:shade val="50000"/>
+                </a:schemeClr>
+              </a:lnRef>
+              <a:fillRef idx="1">
+                <a:schemeClr val="accent1"/>
+              </a:fillRef>
+              <a:effectRef idx="0">
+                <a:schemeClr val="accent1"/>
+              </a:effectRef>
+              <a:fontRef idx="minor">
+                <a:schemeClr val="lt1"/>
+              </a:fontRef>
+            </p:style>
+            <p:txBody>
+              <a:bodyPr rtlCol="0" anchor="ctr"/>
+              <a:lstStyle/>
+              <a:p>
+                <a:pPr algn="ctr"/>
+                <a:endParaRPr lang="zh-CN" altLang="en-US"/>
+              </a:p>
+            </p:txBody>
+          </p:sp>
+          <p:sp>
+            <p:nvSpPr>
+              <p:cNvPr id="3" name="椭圆 2"/>
+              <p:cNvSpPr/>
+              <p:nvPr/>
+            </p:nvSpPr>
+            <p:spPr>
+              <a:xfrm>
+                <a:off x="-863600" y="7124700"/>
+                <a:ext cx="165100" cy="165100"/>
+              </a:xfrm>
+              <a:prstGeom prst="ellipse">
+                <a:avLst/>
+              </a:prstGeom>
+              <a:grpFill/>
+              <a:ln>
+                <a:solidFill>
+                  <a:srgbClr val="00B0F0"/>
+                </a:solidFill>
+              </a:ln>
+            </p:spPr>
+            <p:style>
+              <a:lnRef idx="2">
+                <a:schemeClr val="accent1">
+                  <a:shade val="50000"/>
+                </a:schemeClr>
+              </a:lnRef>
+              <a:fillRef idx="1">
+                <a:schemeClr val="accent1"/>
+              </a:fillRef>
+              <a:effectRef idx="0">
+                <a:schemeClr val="accent1"/>
+              </a:effectRef>
+              <a:fontRef idx="minor">
+                <a:schemeClr val="lt1"/>
+              </a:fontRef>
+            </p:style>
+            <p:txBody>
+              <a:bodyPr rtlCol="0" anchor="ctr"/>
+              <a:lstStyle/>
+              <a:p>
+                <a:pPr algn="ctr"/>
+                <a:endParaRPr lang="zh-CN" altLang="en-US"/>
+              </a:p>
+            </p:txBody>
+          </p:sp>
+        </p:grpSp>
+        <p:grpSp>
+          <p:nvGrpSpPr>
+            <p:cNvPr id="5" name="组合 4"/>
+            <p:cNvGrpSpPr/>
+            <p:nvPr/>
+          </p:nvGrpSpPr>
+          <p:grpSpPr>
+            <a:xfrm>
+              <a:off x="12306300" y="-584200"/>
+              <a:ext cx="165100" cy="7874000"/>
+              <a:chOff x="-863600" y="-584200"/>
+              <a:chExt cx="165100" cy="7874000"/>
+            </a:xfrm>
+            <a:grpFill/>
+          </p:grpSpPr>
+          <p:sp>
+            <p:nvSpPr>
+              <p:cNvPr id="6" name="椭圆 5"/>
+              <p:cNvSpPr/>
+              <p:nvPr/>
+            </p:nvSpPr>
+            <p:spPr>
+              <a:xfrm>
+                <a:off x="-863600" y="-584200"/>
+                <a:ext cx="165100" cy="165100"/>
+              </a:xfrm>
+              <a:prstGeom prst="ellipse">
+                <a:avLst/>
+              </a:prstGeom>
+              <a:grpFill/>
+              <a:ln>
+                <a:solidFill>
+                  <a:srgbClr val="00B0F0"/>
+                </a:solidFill>
+              </a:ln>
+            </p:spPr>
+            <p:style>
+              <a:lnRef idx="2">
+                <a:schemeClr val="accent1">
+                  <a:shade val="50000"/>
+                </a:schemeClr>
+              </a:lnRef>
+              <a:fillRef idx="1">
+                <a:schemeClr val="accent1"/>
+              </a:fillRef>
+              <a:effectRef idx="0">
+                <a:schemeClr val="accent1"/>
+              </a:effectRef>
+              <a:fontRef idx="minor">
+                <a:schemeClr val="lt1"/>
+              </a:fontRef>
+            </p:style>
+            <p:txBody>
+              <a:bodyPr rtlCol="0" anchor="ctr"/>
+              <a:lstStyle/>
+              <a:p>
+                <a:pPr algn="ctr"/>
+                <a:endParaRPr lang="zh-CN" altLang="en-US"/>
+              </a:p>
+            </p:txBody>
+          </p:sp>
+          <p:sp>
+            <p:nvSpPr>
+              <p:cNvPr id="7" name="椭圆 6"/>
+              <p:cNvSpPr/>
+              <p:nvPr/>
+            </p:nvSpPr>
+            <p:spPr>
+              <a:xfrm>
+                <a:off x="-863600" y="7124700"/>
+                <a:ext cx="165100" cy="165100"/>
+              </a:xfrm>
+              <a:prstGeom prst="ellipse">
+                <a:avLst/>
+              </a:prstGeom>
+              <a:grpFill/>
+              <a:ln>
+                <a:solidFill>
+                  <a:srgbClr val="00B0F0"/>
+                </a:solidFill>
+              </a:ln>
+            </p:spPr>
+            <p:style>
+              <a:lnRef idx="2">
+                <a:schemeClr val="accent1">
+                  <a:shade val="50000"/>
+                </a:schemeClr>
+              </a:lnRef>
+              <a:fillRef idx="1">
+                <a:schemeClr val="accent1"/>
+              </a:fillRef>
+              <a:effectRef idx="0">
+                <a:schemeClr val="accent1"/>
+              </a:effectRef>
+              <a:fontRef idx="minor">
+                <a:schemeClr val="lt1"/>
+              </a:fontRef>
+            </p:style>
+            <p:txBody>
+              <a:bodyPr rtlCol="0" anchor="ctr"/>
+              <a:lstStyle/>
+              <a:p>
+                <a:pPr algn="ctr"/>
+                <a:endParaRPr lang="zh-CN" altLang="en-US"/>
+              </a:p>
+            </p:txBody>
+          </p:sp>
+        </p:grpSp>
+      </p:grpSp>
+      <p:sp>
+        <p:nvSpPr>
           <p:cNvPr id="33" name="文本框 32"/>
           <p:cNvSpPr txBox="1"/>
           <p:nvPr/>
@@ -14888,7 +16883,7 @@
 </p:sld>
 </file>
 
-<file path=ppt/slides/slide6.xml><?xml version="1.0" encoding="utf-8"?>
+<file path=ppt/slides/slide7.xml><?xml version="1.0" encoding="utf-8"?>
 <p:sld xmlns:a="http://schemas.openxmlformats.org/drawingml/2006/main" xmlns:r="http://schemas.openxmlformats.org/officeDocument/2006/relationships" xmlns:p="http://schemas.openxmlformats.org/presentationml/2006/main">
   <p:cSld>
     <p:spTree>
@@ -15807,7 +17802,7 @@
 </p:sld>
 </file>
 
-<file path=ppt/slides/slide7.xml><?xml version="1.0" encoding="utf-8"?>
+<file path=ppt/slides/slide8.xml><?xml version="1.0" encoding="utf-8"?>
 <p:sld xmlns:a="http://schemas.openxmlformats.org/drawingml/2006/main" xmlns:r="http://schemas.openxmlformats.org/officeDocument/2006/relationships" xmlns:p="http://schemas.openxmlformats.org/presentationml/2006/main">
   <p:cSld>
     <p:spTree>
@@ -17564,7 +19559,7 @@
 </p:sld>
 </file>
 
-<file path=ppt/slides/slide8.xml><?xml version="1.0" encoding="utf-8"?>
+<file path=ppt/slides/slide9.xml><?xml version="1.0" encoding="utf-8"?>
 <p:sld xmlns:a="http://schemas.openxmlformats.org/drawingml/2006/main" xmlns:r="http://schemas.openxmlformats.org/officeDocument/2006/relationships" xmlns:p="http://schemas.openxmlformats.org/presentationml/2006/main">
   <p:cSld>
     <p:spTree>
@@ -19012,1138 +21007,6 @@
 </p:sld>
 </file>
 
-<file path=ppt/slides/slide9.xml><?xml version="1.0" encoding="utf-8"?>
-<p:sld xmlns:a="http://schemas.openxmlformats.org/drawingml/2006/main" xmlns:r="http://schemas.openxmlformats.org/officeDocument/2006/relationships" xmlns:p="http://schemas.openxmlformats.org/presentationml/2006/main">
-  <p:cSld>
-    <p:spTree>
-      <p:nvGrpSpPr>
-        <p:cNvPr id="1" name=""/>
-        <p:cNvGrpSpPr/>
-        <p:nvPr/>
-      </p:nvGrpSpPr>
-      <p:grpSpPr>
-        <a:xfrm>
-          <a:off x="0" y="0"/>
-          <a:ext cx="0" cy="0"/>
-          <a:chOff x="0" y="0"/>
-          <a:chExt cx="0" cy="0"/>
-        </a:xfrm>
-      </p:grpSpPr>
-      <p:grpSp>
-        <p:nvGrpSpPr>
-          <p:cNvPr id="8" name="组合 7"/>
-          <p:cNvGrpSpPr/>
-          <p:nvPr/>
-        </p:nvGrpSpPr>
-        <p:grpSpPr>
-          <a:xfrm>
-            <a:off x="-698500" y="-582990"/>
-            <a:ext cx="13589000" cy="8023980"/>
-            <a:chOff x="-863600" y="-584200"/>
-            <a:chExt cx="13335000" cy="7874000"/>
-          </a:xfrm>
-          <a:solidFill>
-            <a:srgbClr val="E6E6E6"/>
-          </a:solidFill>
-        </p:grpSpPr>
-        <p:grpSp>
-          <p:nvGrpSpPr>
-            <p:cNvPr id="4" name="组合 3"/>
-            <p:cNvGrpSpPr/>
-            <p:nvPr/>
-          </p:nvGrpSpPr>
-          <p:grpSpPr>
-            <a:xfrm>
-              <a:off x="-863600" y="-584200"/>
-              <a:ext cx="165100" cy="7874000"/>
-              <a:chOff x="-863600" y="-584200"/>
-              <a:chExt cx="165100" cy="7874000"/>
-            </a:xfrm>
-            <a:grpFill/>
-          </p:grpSpPr>
-          <p:sp>
-            <p:nvSpPr>
-              <p:cNvPr id="2" name="椭圆 1"/>
-              <p:cNvSpPr/>
-              <p:nvPr/>
-            </p:nvSpPr>
-            <p:spPr>
-              <a:xfrm>
-                <a:off x="-863600" y="-584200"/>
-                <a:ext cx="165100" cy="165100"/>
-              </a:xfrm>
-              <a:prstGeom prst="ellipse">
-                <a:avLst/>
-              </a:prstGeom>
-              <a:grpFill/>
-              <a:ln>
-                <a:solidFill>
-                  <a:srgbClr val="00B0F0"/>
-                </a:solidFill>
-              </a:ln>
-            </p:spPr>
-            <p:style>
-              <a:lnRef idx="2">
-                <a:schemeClr val="accent1">
-                  <a:shade val="50000"/>
-                </a:schemeClr>
-              </a:lnRef>
-              <a:fillRef idx="1">
-                <a:schemeClr val="accent1"/>
-              </a:fillRef>
-              <a:effectRef idx="0">
-                <a:schemeClr val="accent1"/>
-              </a:effectRef>
-              <a:fontRef idx="minor">
-                <a:schemeClr val="lt1"/>
-              </a:fontRef>
-            </p:style>
-            <p:txBody>
-              <a:bodyPr rtlCol="0" anchor="ctr"/>
-              <a:lstStyle/>
-              <a:p>
-                <a:pPr algn="ctr"/>
-                <a:endParaRPr lang="zh-CN" altLang="en-US"/>
-              </a:p>
-            </p:txBody>
-          </p:sp>
-          <p:sp>
-            <p:nvSpPr>
-              <p:cNvPr id="3" name="椭圆 2"/>
-              <p:cNvSpPr/>
-              <p:nvPr/>
-            </p:nvSpPr>
-            <p:spPr>
-              <a:xfrm>
-                <a:off x="-863600" y="7124700"/>
-                <a:ext cx="165100" cy="165100"/>
-              </a:xfrm>
-              <a:prstGeom prst="ellipse">
-                <a:avLst/>
-              </a:prstGeom>
-              <a:grpFill/>
-              <a:ln>
-                <a:solidFill>
-                  <a:srgbClr val="00B0F0"/>
-                </a:solidFill>
-              </a:ln>
-            </p:spPr>
-            <p:style>
-              <a:lnRef idx="2">
-                <a:schemeClr val="accent1">
-                  <a:shade val="50000"/>
-                </a:schemeClr>
-              </a:lnRef>
-              <a:fillRef idx="1">
-                <a:schemeClr val="accent1"/>
-              </a:fillRef>
-              <a:effectRef idx="0">
-                <a:schemeClr val="accent1"/>
-              </a:effectRef>
-              <a:fontRef idx="minor">
-                <a:schemeClr val="lt1"/>
-              </a:fontRef>
-            </p:style>
-            <p:txBody>
-              <a:bodyPr rtlCol="0" anchor="ctr"/>
-              <a:lstStyle/>
-              <a:p>
-                <a:pPr algn="ctr"/>
-                <a:endParaRPr lang="zh-CN" altLang="en-US"/>
-              </a:p>
-            </p:txBody>
-          </p:sp>
-        </p:grpSp>
-        <p:grpSp>
-          <p:nvGrpSpPr>
-            <p:cNvPr id="5" name="组合 4"/>
-            <p:cNvGrpSpPr/>
-            <p:nvPr/>
-          </p:nvGrpSpPr>
-          <p:grpSpPr>
-            <a:xfrm>
-              <a:off x="12306300" y="-584200"/>
-              <a:ext cx="165100" cy="7874000"/>
-              <a:chOff x="-863600" y="-584200"/>
-              <a:chExt cx="165100" cy="7874000"/>
-            </a:xfrm>
-            <a:grpFill/>
-          </p:grpSpPr>
-          <p:sp>
-            <p:nvSpPr>
-              <p:cNvPr id="6" name="椭圆 5"/>
-              <p:cNvSpPr/>
-              <p:nvPr/>
-            </p:nvSpPr>
-            <p:spPr>
-              <a:xfrm>
-                <a:off x="-863600" y="-584200"/>
-                <a:ext cx="165100" cy="165100"/>
-              </a:xfrm>
-              <a:prstGeom prst="ellipse">
-                <a:avLst/>
-              </a:prstGeom>
-              <a:grpFill/>
-              <a:ln>
-                <a:solidFill>
-                  <a:srgbClr val="00B0F0"/>
-                </a:solidFill>
-              </a:ln>
-            </p:spPr>
-            <p:style>
-              <a:lnRef idx="2">
-                <a:schemeClr val="accent1">
-                  <a:shade val="50000"/>
-                </a:schemeClr>
-              </a:lnRef>
-              <a:fillRef idx="1">
-                <a:schemeClr val="accent1"/>
-              </a:fillRef>
-              <a:effectRef idx="0">
-                <a:schemeClr val="accent1"/>
-              </a:effectRef>
-              <a:fontRef idx="minor">
-                <a:schemeClr val="lt1"/>
-              </a:fontRef>
-            </p:style>
-            <p:txBody>
-              <a:bodyPr rtlCol="0" anchor="ctr"/>
-              <a:lstStyle/>
-              <a:p>
-                <a:pPr algn="ctr"/>
-                <a:endParaRPr lang="zh-CN" altLang="en-US"/>
-              </a:p>
-            </p:txBody>
-          </p:sp>
-          <p:sp>
-            <p:nvSpPr>
-              <p:cNvPr id="7" name="椭圆 6"/>
-              <p:cNvSpPr/>
-              <p:nvPr/>
-            </p:nvSpPr>
-            <p:spPr>
-              <a:xfrm>
-                <a:off x="-863600" y="7124700"/>
-                <a:ext cx="165100" cy="165100"/>
-              </a:xfrm>
-              <a:prstGeom prst="ellipse">
-                <a:avLst/>
-              </a:prstGeom>
-              <a:grpFill/>
-              <a:ln>
-                <a:solidFill>
-                  <a:srgbClr val="00B0F0"/>
-                </a:solidFill>
-              </a:ln>
-            </p:spPr>
-            <p:style>
-              <a:lnRef idx="2">
-                <a:schemeClr val="accent1">
-                  <a:shade val="50000"/>
-                </a:schemeClr>
-              </a:lnRef>
-              <a:fillRef idx="1">
-                <a:schemeClr val="accent1"/>
-              </a:fillRef>
-              <a:effectRef idx="0">
-                <a:schemeClr val="accent1"/>
-              </a:effectRef>
-              <a:fontRef idx="minor">
-                <a:schemeClr val="lt1"/>
-              </a:fontRef>
-            </p:style>
-            <p:txBody>
-              <a:bodyPr rtlCol="0" anchor="ctr"/>
-              <a:lstStyle/>
-              <a:p>
-                <a:pPr algn="ctr"/>
-                <a:endParaRPr lang="zh-CN" altLang="en-US"/>
-              </a:p>
-            </p:txBody>
-          </p:sp>
-        </p:grpSp>
-      </p:grpSp>
-      <p:sp>
-        <p:nvSpPr>
-          <p:cNvPr id="17" name="文本框 16"/>
-          <p:cNvSpPr txBox="1"/>
-          <p:nvPr/>
-        </p:nvSpPr>
-        <p:spPr>
-          <a:xfrm>
-            <a:off x="4387850" y="1147207"/>
-            <a:ext cx="3416300" cy="230832"/>
-          </a:xfrm>
-          <a:prstGeom prst="rect">
-            <a:avLst/>
-          </a:prstGeom>
-          <a:noFill/>
-        </p:spPr>
-        <p:txBody>
-          <a:bodyPr wrap="square" rtlCol="0">
-            <a:spAutoFit/>
-          </a:bodyPr>
-          <a:lstStyle/>
-          <a:p>
-            <a:pPr algn="dist"/>
-            <a:r>
-              <a:rPr lang="en-US" altLang="zh-CN" sz="900" spc="300" dirty="0">
-                <a:solidFill>
-                  <a:schemeClr val="tx1">
-                    <a:lumMod val="50000"/>
-                    <a:lumOff val="50000"/>
-                  </a:schemeClr>
-                </a:solidFill>
-                <a:latin typeface="+mn-ea"/>
-              </a:rPr>
-              <a:t>SCIENCE AND TECHNOLOGY</a:t>
-            </a:r>
-            <a:endParaRPr lang="zh-CN" altLang="en-US" sz="900" spc="300" dirty="0">
-              <a:solidFill>
-                <a:schemeClr val="tx1">
-                  <a:lumMod val="50000"/>
-                  <a:lumOff val="50000"/>
-                </a:schemeClr>
-              </a:solidFill>
-              <a:latin typeface="+mn-ea"/>
-            </a:endParaRPr>
-          </a:p>
-        </p:txBody>
-      </p:sp>
-      <p:sp>
-        <p:nvSpPr>
-          <p:cNvPr id="33" name="文本框 32"/>
-          <p:cNvSpPr txBox="1"/>
-          <p:nvPr/>
-        </p:nvSpPr>
-        <p:spPr>
-          <a:xfrm>
-            <a:off x="4718957" y="541929"/>
-            <a:ext cx="2754086" cy="707886"/>
-          </a:xfrm>
-          <a:prstGeom prst="rect">
-            <a:avLst/>
-          </a:prstGeom>
-          <a:noFill/>
-        </p:spPr>
-        <p:txBody>
-          <a:bodyPr wrap="square" rtlCol="0">
-            <a:spAutoFit/>
-          </a:bodyPr>
-          <a:lstStyle/>
-          <a:p>
-            <a:pPr algn="ctr"/>
-            <a:r>
-              <a:rPr lang="zh-CN" altLang="en-US" sz="4000" spc="600" dirty="0">
-                <a:solidFill>
-                  <a:srgbClr val="4C678E"/>
-                </a:solidFill>
-                <a:latin typeface="思源宋体 Heavy" panose="02020900000000000000" pitchFamily="18" charset="-122"/>
-                <a:ea typeface="思源宋体 Heavy" panose="02020900000000000000" pitchFamily="18" charset="-122"/>
-              </a:rPr>
-              <a:t>特别感谢</a:t>
-            </a:r>
-          </a:p>
-        </p:txBody>
-      </p:sp>
-      <p:grpSp>
-        <p:nvGrpSpPr>
-          <p:cNvPr id="9" name="组合 8"/>
-          <p:cNvGrpSpPr/>
-          <p:nvPr/>
-        </p:nvGrpSpPr>
-        <p:grpSpPr>
-          <a:xfrm>
-            <a:off x="3850602" y="939639"/>
-            <a:ext cx="4490797" cy="0"/>
-            <a:chOff x="3893464" y="1130139"/>
-            <a:chExt cx="4490797" cy="0"/>
-          </a:xfrm>
-        </p:grpSpPr>
-        <p:cxnSp>
-          <p:nvCxnSpPr>
-            <p:cNvPr id="36" name="直接箭头连接符 25"/>
-            <p:cNvCxnSpPr/>
-            <p:nvPr/>
-          </p:nvCxnSpPr>
-          <p:spPr>
-            <a:xfrm>
-              <a:off x="3893464" y="1130139"/>
-              <a:ext cx="820497" cy="0"/>
-            </a:xfrm>
-            <a:prstGeom prst="straightConnector1">
-              <a:avLst/>
-            </a:prstGeom>
-            <a:ln>
-              <a:gradFill>
-                <a:gsLst>
-                  <a:gs pos="100000">
-                    <a:srgbClr val="4C678E">
-                      <a:alpha val="0"/>
-                    </a:srgbClr>
-                  </a:gs>
-                  <a:gs pos="0">
-                    <a:srgbClr val="4C678E"/>
-                  </a:gs>
-                </a:gsLst>
-                <a:lin ang="10800000" scaled="0"/>
-              </a:gradFill>
-              <a:tailEnd type="oval"/>
-            </a:ln>
-          </p:spPr>
-          <p:style>
-            <a:lnRef idx="1">
-              <a:schemeClr val="accent1"/>
-            </a:lnRef>
-            <a:fillRef idx="0">
-              <a:schemeClr val="accent1"/>
-            </a:fillRef>
-            <a:effectRef idx="0">
-              <a:schemeClr val="accent1"/>
-            </a:effectRef>
-            <a:fontRef idx="minor">
-              <a:schemeClr val="tx1"/>
-            </a:fontRef>
-          </p:style>
-        </p:cxnSp>
-        <p:cxnSp>
-          <p:nvCxnSpPr>
-            <p:cNvPr id="50" name="直接箭头连接符 25"/>
-            <p:cNvCxnSpPr/>
-            <p:nvPr/>
-          </p:nvCxnSpPr>
-          <p:spPr>
-            <a:xfrm flipH="1">
-              <a:off x="7563764" y="1130139"/>
-              <a:ext cx="820497" cy="0"/>
-            </a:xfrm>
-            <a:prstGeom prst="straightConnector1">
-              <a:avLst/>
-            </a:prstGeom>
-            <a:ln>
-              <a:gradFill>
-                <a:gsLst>
-                  <a:gs pos="100000">
-                    <a:srgbClr val="4C678E">
-                      <a:alpha val="0"/>
-                    </a:srgbClr>
-                  </a:gs>
-                  <a:gs pos="0">
-                    <a:srgbClr val="4C678E"/>
-                  </a:gs>
-                </a:gsLst>
-                <a:lin ang="10800000" scaled="0"/>
-              </a:gradFill>
-              <a:tailEnd type="oval"/>
-            </a:ln>
-          </p:spPr>
-          <p:style>
-            <a:lnRef idx="1">
-              <a:schemeClr val="accent1"/>
-            </a:lnRef>
-            <a:fillRef idx="0">
-              <a:schemeClr val="accent1"/>
-            </a:fillRef>
-            <a:effectRef idx="0">
-              <a:schemeClr val="accent1"/>
-            </a:effectRef>
-            <a:fontRef idx="minor">
-              <a:schemeClr val="tx1"/>
-            </a:fontRef>
-          </p:style>
-        </p:cxnSp>
-      </p:grpSp>
-      <p:grpSp>
-        <p:nvGrpSpPr>
-          <p:cNvPr id="11" name="组合 10"/>
-          <p:cNvGrpSpPr/>
-          <p:nvPr/>
-        </p:nvGrpSpPr>
-        <p:grpSpPr>
-          <a:xfrm>
-            <a:off x="70339" y="1624026"/>
-            <a:ext cx="12192000" cy="4732324"/>
-            <a:chOff x="0" y="1973943"/>
-            <a:chExt cx="12192000" cy="4884057"/>
-          </a:xfrm>
-        </p:grpSpPr>
-        <p:sp>
-          <p:nvSpPr>
-            <p:cNvPr id="15" name="矩形 14"/>
-            <p:cNvSpPr/>
-            <p:nvPr/>
-          </p:nvSpPr>
-          <p:spPr>
-            <a:xfrm>
-              <a:off x="0" y="1973943"/>
-              <a:ext cx="12192000" cy="4884057"/>
-            </a:xfrm>
-            <a:prstGeom prst="rect">
-              <a:avLst/>
-            </a:prstGeom>
-            <a:blipFill dpi="0" rotWithShape="1">
-              <a:blip r:embed="rId3"/>
-              <a:srcRect/>
-              <a:stretch>
-                <a:fillRect t="-39159" b="-39159"/>
-              </a:stretch>
-            </a:blipFill>
-            <a:ln>
-              <a:noFill/>
-            </a:ln>
-          </p:spPr>
-          <p:style>
-            <a:lnRef idx="2">
-              <a:schemeClr val="accent1">
-                <a:shade val="50000"/>
-              </a:schemeClr>
-            </a:lnRef>
-            <a:fillRef idx="1">
-              <a:schemeClr val="accent1"/>
-            </a:fillRef>
-            <a:effectRef idx="0">
-              <a:schemeClr val="accent1"/>
-            </a:effectRef>
-            <a:fontRef idx="minor">
-              <a:schemeClr val="lt1"/>
-            </a:fontRef>
-          </p:style>
-          <p:txBody>
-            <a:bodyPr rtlCol="0" anchor="ctr"/>
-            <a:lstStyle/>
-            <a:p>
-              <a:pPr algn="ctr"/>
-              <a:endParaRPr lang="zh-CN" altLang="en-US"/>
-            </a:p>
-          </p:txBody>
-        </p:sp>
-        <p:sp>
-          <p:nvSpPr>
-            <p:cNvPr id="10" name="矩形 9"/>
-            <p:cNvSpPr/>
-            <p:nvPr/>
-          </p:nvSpPr>
-          <p:spPr>
-            <a:xfrm>
-              <a:off x="0" y="1973943"/>
-              <a:ext cx="12192000" cy="4884057"/>
-            </a:xfrm>
-            <a:prstGeom prst="rect">
-              <a:avLst/>
-            </a:prstGeom>
-            <a:gradFill flip="none" rotWithShape="1">
-              <a:gsLst>
-                <a:gs pos="0">
-                  <a:srgbClr val="4C678E"/>
-                </a:gs>
-                <a:gs pos="100000">
-                  <a:srgbClr val="4C678E">
-                    <a:alpha val="76000"/>
-                  </a:srgbClr>
-                </a:gs>
-              </a:gsLst>
-              <a:lin ang="5400000" scaled="1"/>
-              <a:tileRect/>
-            </a:gradFill>
-            <a:ln>
-              <a:noFill/>
-            </a:ln>
-          </p:spPr>
-          <p:style>
-            <a:lnRef idx="2">
-              <a:schemeClr val="accent1">
-                <a:shade val="50000"/>
-              </a:schemeClr>
-            </a:lnRef>
-            <a:fillRef idx="1">
-              <a:schemeClr val="accent1"/>
-            </a:fillRef>
-            <a:effectRef idx="0">
-              <a:schemeClr val="accent1"/>
-            </a:effectRef>
-            <a:fontRef idx="minor">
-              <a:schemeClr val="lt1"/>
-            </a:fontRef>
-          </p:style>
-          <p:txBody>
-            <a:bodyPr rtlCol="0" anchor="ctr"/>
-            <a:lstStyle/>
-            <a:p>
-              <a:pPr algn="ctr"/>
-              <a:endParaRPr lang="zh-CN" altLang="en-US"/>
-            </a:p>
-          </p:txBody>
-        </p:sp>
-      </p:grpSp>
-      <p:sp>
-        <p:nvSpPr>
-          <p:cNvPr id="18" name="矩形 17"/>
-          <p:cNvSpPr/>
-          <p:nvPr/>
-        </p:nvSpPr>
-        <p:spPr>
-          <a:xfrm>
-            <a:off x="3335215" y="2076406"/>
-            <a:ext cx="5521569" cy="868956"/>
-          </a:xfrm>
-          <a:prstGeom prst="rect">
-            <a:avLst/>
-          </a:prstGeom>
-          <a:noFill/>
-        </p:spPr>
-        <p:txBody>
-          <a:bodyPr wrap="square" lIns="0" tIns="0" rIns="0" bIns="0" rtlCol="0">
-            <a:spAutoFit/>
-          </a:bodyPr>
-          <a:lstStyle/>
-          <a:p>
-            <a:pPr hangingPunct="0">
-              <a:lnSpc>
-                <a:spcPct val="150000"/>
-              </a:lnSpc>
-            </a:pPr>
-            <a:r>
-              <a:rPr lang="en-US" altLang="zh-CN" sz="2000" b="1" dirty="0">
-                <a:solidFill>
-                  <a:schemeClr val="bg1"/>
-                </a:solidFill>
-                <a:latin typeface="思源黑体 CN Bold" panose="020B0800000000000000" pitchFamily="34" charset="-122"/>
-                <a:ea typeface="思源黑体 CN Bold" panose="020B0800000000000000" pitchFamily="34" charset="-122"/>
-                <a:cs typeface="+mn-ea"/>
-                <a:sym typeface="+mn-lt"/>
-              </a:rPr>
-              <a:t>·   </a:t>
-            </a:r>
-            <a:r>
-              <a:rPr lang="zh-CN" altLang="en-US" sz="2000" b="1" dirty="0">
-                <a:solidFill>
-                  <a:schemeClr val="bg1"/>
-                </a:solidFill>
-                <a:latin typeface="思源黑体 CN Bold" panose="020B0800000000000000" pitchFamily="34" charset="-122"/>
-                <a:ea typeface="思源黑体 CN Bold" panose="020B0800000000000000" pitchFamily="34" charset="-122"/>
-                <a:cs typeface="+mn-ea"/>
-                <a:sym typeface="+mn-lt"/>
-              </a:rPr>
-              <a:t>郝宽宽老师与付博文老师耐心仔细的指导</a:t>
-            </a:r>
-            <a:endParaRPr lang="en-US" altLang="zh-CN" sz="2000" b="1" dirty="0">
-              <a:solidFill>
-                <a:schemeClr val="bg1"/>
-              </a:solidFill>
-              <a:latin typeface="思源黑体 CN Bold" panose="020B0800000000000000" pitchFamily="34" charset="-122"/>
-              <a:ea typeface="思源黑体 CN Bold" panose="020B0800000000000000" pitchFamily="34" charset="-122"/>
-              <a:cs typeface="+mn-ea"/>
-              <a:sym typeface="+mn-lt"/>
-            </a:endParaRPr>
-          </a:p>
-          <a:p>
-            <a:pPr hangingPunct="0">
-              <a:lnSpc>
-                <a:spcPct val="150000"/>
-              </a:lnSpc>
-            </a:pPr>
-            <a:r>
-              <a:rPr lang="en-US" altLang="zh-CN" sz="2000" b="1" dirty="0">
-                <a:solidFill>
-                  <a:schemeClr val="bg1"/>
-                </a:solidFill>
-                <a:latin typeface="思源黑体 CN Bold" panose="020B0800000000000000" pitchFamily="34" charset="-122"/>
-                <a:ea typeface="思源黑体 CN Bold" panose="020B0800000000000000" pitchFamily="34" charset="-122"/>
-                <a:cs typeface="+mn-ea"/>
-                <a:sym typeface="+mn-lt"/>
-              </a:rPr>
-              <a:t>·   </a:t>
-            </a:r>
-            <a:r>
-              <a:rPr lang="zh-CN" altLang="en-US" sz="2000" b="1" dirty="0">
-                <a:solidFill>
-                  <a:schemeClr val="bg1"/>
-                </a:solidFill>
-                <a:latin typeface="思源黑体 CN Bold" panose="020B0800000000000000" pitchFamily="34" charset="-122"/>
-                <a:ea typeface="思源黑体 CN Bold" panose="020B0800000000000000" pitchFamily="34" charset="-122"/>
-                <a:cs typeface="+mn-ea"/>
-                <a:sym typeface="+mn-lt"/>
-              </a:rPr>
-              <a:t>小组伙伴的一同学习与努力</a:t>
-            </a:r>
-          </a:p>
-        </p:txBody>
-      </p:sp>
-      <p:pic>
-        <p:nvPicPr>
-          <p:cNvPr id="34" name="图片 33">
-            <a:extLst>
-              <a:ext uri="{FF2B5EF4-FFF2-40B4-BE49-F238E27FC236}">
-                <a16:creationId xmlns:a16="http://schemas.microsoft.com/office/drawing/2014/main" id="{E15DA2AB-FEE4-4839-AB09-DB312AF8492B}"/>
-              </a:ext>
-            </a:extLst>
-          </p:cNvPr>
-          <p:cNvPicPr>
-            <a:picLocks noChangeAspect="1"/>
-          </p:cNvPicPr>
-          <p:nvPr/>
-        </p:nvPicPr>
-        <p:blipFill>
-          <a:blip r:embed="rId4"/>
-          <a:stretch>
-            <a:fillRect/>
-          </a:stretch>
-        </p:blipFill>
-        <p:spPr>
-          <a:xfrm>
-            <a:off x="10102310" y="286424"/>
-            <a:ext cx="1799037" cy="511010"/>
-          </a:xfrm>
-          <a:prstGeom prst="rect">
-            <a:avLst/>
-          </a:prstGeom>
-        </p:spPr>
-      </p:pic>
-      <p:sp>
-        <p:nvSpPr>
-          <p:cNvPr id="12" name="页脚占位符 11">
-            <a:extLst>
-              <a:ext uri="{FF2B5EF4-FFF2-40B4-BE49-F238E27FC236}">
-                <a16:creationId xmlns:a16="http://schemas.microsoft.com/office/drawing/2014/main" id="{3BEAFD8B-EA0A-45A5-978B-EE0DFF17349F}"/>
-              </a:ext>
-            </a:extLst>
-          </p:cNvPr>
-          <p:cNvSpPr>
-            <a:spLocks noGrp="1"/>
-          </p:cNvSpPr>
-          <p:nvPr>
-            <p:ph type="ftr" sz="quarter" idx="11"/>
-          </p:nvPr>
-        </p:nvSpPr>
-        <p:spPr/>
-        <p:txBody>
-          <a:bodyPr/>
-          <a:lstStyle/>
-          <a:p>
-            <a:r>
-              <a:rPr lang="zh-CN" altLang="en-US"/>
-              <a:t>第八组</a:t>
-            </a:r>
-          </a:p>
-        </p:txBody>
-      </p:sp>
-    </p:spTree>
-  </p:cSld>
-  <p:clrMapOvr>
-    <a:masterClrMapping/>
-  </p:clrMapOvr>
-  <mc:AlternateContent xmlns:mc="http://schemas.openxmlformats.org/markup-compatibility/2006" xmlns:p14="http://schemas.microsoft.com/office/powerpoint/2010/main">
-    <mc:Choice Requires="p14">
-      <p:transition spd="slow" p14:dur="1200" advTm="0">
-        <p14:prism/>
-      </p:transition>
-    </mc:Choice>
-    <mc:Fallback xmlns="">
-      <p:transition spd="slow" advTm="0">
-        <p:fade/>
-      </p:transition>
-    </mc:Fallback>
-  </mc:AlternateContent>
-  <p:timing>
-    <p:tnLst>
-      <p:par>
-        <p:cTn id="1" dur="indefinite" restart="never" nodeType="tmRoot">
-          <p:childTnLst>
-            <p:seq concurrent="1" nextAc="seek">
-              <p:cTn id="2" dur="indefinite" nodeType="mainSeq">
-                <p:childTnLst>
-                  <p:par>
-                    <p:cTn id="3" fill="hold">
-                      <p:stCondLst>
-                        <p:cond delay="indefinite"/>
-                        <p:cond evt="onBegin" delay="0">
-                          <p:tn val="2"/>
-                        </p:cond>
-                      </p:stCondLst>
-                      <p:childTnLst>
-                        <p:par>
-                          <p:cTn id="4" fill="hold">
-                            <p:stCondLst>
-                              <p:cond delay="0"/>
-                            </p:stCondLst>
-                            <p:childTnLst>
-                              <p:par>
-                                <p:cTn id="5" presetID="53" presetClass="entr" presetSubtype="16" fill="hold" nodeType="withEffect">
-                                  <p:stCondLst>
-                                    <p:cond delay="0"/>
-                                  </p:stCondLst>
-                                  <p:childTnLst>
-                                    <p:set>
-                                      <p:cBhvr>
-                                        <p:cTn id="6" dur="1" fill="hold">
-                                          <p:stCondLst>
-                                            <p:cond delay="0"/>
-                                          </p:stCondLst>
-                                        </p:cTn>
-                                        <p:tgtEl>
-                                          <p:spTgt spid="9"/>
-                                        </p:tgtEl>
-                                        <p:attrNameLst>
-                                          <p:attrName>style.visibility</p:attrName>
-                                        </p:attrNameLst>
-                                      </p:cBhvr>
-                                      <p:to>
-                                        <p:strVal val="visible"/>
-                                      </p:to>
-                                    </p:set>
-                                    <p:anim calcmode="lin" valueType="num">
-                                      <p:cBhvr>
-                                        <p:cTn id="7" dur="500" fill="hold"/>
-                                        <p:tgtEl>
-                                          <p:spTgt spid="9"/>
-                                        </p:tgtEl>
-                                        <p:attrNameLst>
-                                          <p:attrName>ppt_w</p:attrName>
-                                        </p:attrNameLst>
-                                      </p:cBhvr>
-                                      <p:tavLst>
-                                        <p:tav tm="0">
-                                          <p:val>
-                                            <p:fltVal val="0"/>
-                                          </p:val>
-                                        </p:tav>
-                                        <p:tav tm="100000">
-                                          <p:val>
-                                            <p:strVal val="#ppt_w"/>
-                                          </p:val>
-                                        </p:tav>
-                                      </p:tavLst>
-                                    </p:anim>
-                                    <p:anim calcmode="lin" valueType="num">
-                                      <p:cBhvr>
-                                        <p:cTn id="8" dur="500" fill="hold"/>
-                                        <p:tgtEl>
-                                          <p:spTgt spid="9"/>
-                                        </p:tgtEl>
-                                        <p:attrNameLst>
-                                          <p:attrName>ppt_h</p:attrName>
-                                        </p:attrNameLst>
-                                      </p:cBhvr>
-                                      <p:tavLst>
-                                        <p:tav tm="0">
-                                          <p:val>
-                                            <p:fltVal val="0"/>
-                                          </p:val>
-                                        </p:tav>
-                                        <p:tav tm="100000">
-                                          <p:val>
-                                            <p:strVal val="#ppt_h"/>
-                                          </p:val>
-                                        </p:tav>
-                                      </p:tavLst>
-                                    </p:anim>
-                                    <p:animEffect transition="in" filter="fade">
-                                      <p:cBhvr>
-                                        <p:cTn id="9" dur="500"/>
-                                        <p:tgtEl>
-                                          <p:spTgt spid="9"/>
-                                        </p:tgtEl>
-                                      </p:cBhvr>
-                                    </p:animEffect>
-                                  </p:childTnLst>
-                                </p:cTn>
-                              </p:par>
-                              <p:par>
-                                <p:cTn id="10" presetID="42" presetClass="entr" presetSubtype="0" fill="hold" grpId="0" nodeType="withEffect">
-                                  <p:stCondLst>
-                                    <p:cond delay="0"/>
-                                  </p:stCondLst>
-                                  <p:childTnLst>
-                                    <p:set>
-                                      <p:cBhvr>
-                                        <p:cTn id="11" dur="1" fill="hold">
-                                          <p:stCondLst>
-                                            <p:cond delay="0"/>
-                                          </p:stCondLst>
-                                        </p:cTn>
-                                        <p:tgtEl>
-                                          <p:spTgt spid="17"/>
-                                        </p:tgtEl>
-                                        <p:attrNameLst>
-                                          <p:attrName>style.visibility</p:attrName>
-                                        </p:attrNameLst>
-                                      </p:cBhvr>
-                                      <p:to>
-                                        <p:strVal val="visible"/>
-                                      </p:to>
-                                    </p:set>
-                                    <p:animEffect transition="in" filter="fade">
-                                      <p:cBhvr>
-                                        <p:cTn id="12" dur="1000"/>
-                                        <p:tgtEl>
-                                          <p:spTgt spid="17"/>
-                                        </p:tgtEl>
-                                      </p:cBhvr>
-                                    </p:animEffect>
-                                    <p:anim calcmode="lin" valueType="num">
-                                      <p:cBhvr>
-                                        <p:cTn id="13" dur="1000" fill="hold"/>
-                                        <p:tgtEl>
-                                          <p:spTgt spid="17"/>
-                                        </p:tgtEl>
-                                        <p:attrNameLst>
-                                          <p:attrName>ppt_x</p:attrName>
-                                        </p:attrNameLst>
-                                      </p:cBhvr>
-                                      <p:tavLst>
-                                        <p:tav tm="0">
-                                          <p:val>
-                                            <p:strVal val="#ppt_x"/>
-                                          </p:val>
-                                        </p:tav>
-                                        <p:tav tm="100000">
-                                          <p:val>
-                                            <p:strVal val="#ppt_x"/>
-                                          </p:val>
-                                        </p:tav>
-                                      </p:tavLst>
-                                    </p:anim>
-                                    <p:anim calcmode="lin" valueType="num">
-                                      <p:cBhvr>
-                                        <p:cTn id="14" dur="1000" fill="hold"/>
-                                        <p:tgtEl>
-                                          <p:spTgt spid="17"/>
-                                        </p:tgtEl>
-                                        <p:attrNameLst>
-                                          <p:attrName>ppt_y</p:attrName>
-                                        </p:attrNameLst>
-                                      </p:cBhvr>
-                                      <p:tavLst>
-                                        <p:tav tm="0">
-                                          <p:val>
-                                            <p:strVal val="#ppt_y+.1"/>
-                                          </p:val>
-                                        </p:tav>
-                                        <p:tav tm="100000">
-                                          <p:val>
-                                            <p:strVal val="#ppt_y"/>
-                                          </p:val>
-                                        </p:tav>
-                                      </p:tavLst>
-                                    </p:anim>
-                                  </p:childTnLst>
-                                </p:cTn>
-                              </p:par>
-                              <p:par>
-                                <p:cTn id="15" presetID="53" presetClass="entr" presetSubtype="16" fill="hold" grpId="0" nodeType="withEffect">
-                                  <p:stCondLst>
-                                    <p:cond delay="0"/>
-                                  </p:stCondLst>
-                                  <p:childTnLst>
-                                    <p:set>
-                                      <p:cBhvr>
-                                        <p:cTn id="16" dur="1" fill="hold">
-                                          <p:stCondLst>
-                                            <p:cond delay="0"/>
-                                          </p:stCondLst>
-                                        </p:cTn>
-                                        <p:tgtEl>
-                                          <p:spTgt spid="33"/>
-                                        </p:tgtEl>
-                                        <p:attrNameLst>
-                                          <p:attrName>style.visibility</p:attrName>
-                                        </p:attrNameLst>
-                                      </p:cBhvr>
-                                      <p:to>
-                                        <p:strVal val="visible"/>
-                                      </p:to>
-                                    </p:set>
-                                    <p:anim calcmode="lin" valueType="num">
-                                      <p:cBhvr>
-                                        <p:cTn id="17" dur="500" fill="hold"/>
-                                        <p:tgtEl>
-                                          <p:spTgt spid="33"/>
-                                        </p:tgtEl>
-                                        <p:attrNameLst>
-                                          <p:attrName>ppt_w</p:attrName>
-                                        </p:attrNameLst>
-                                      </p:cBhvr>
-                                      <p:tavLst>
-                                        <p:tav tm="0">
-                                          <p:val>
-                                            <p:fltVal val="0"/>
-                                          </p:val>
-                                        </p:tav>
-                                        <p:tav tm="100000">
-                                          <p:val>
-                                            <p:strVal val="#ppt_w"/>
-                                          </p:val>
-                                        </p:tav>
-                                      </p:tavLst>
-                                    </p:anim>
-                                    <p:anim calcmode="lin" valueType="num">
-                                      <p:cBhvr>
-                                        <p:cTn id="18" dur="500" fill="hold"/>
-                                        <p:tgtEl>
-                                          <p:spTgt spid="33"/>
-                                        </p:tgtEl>
-                                        <p:attrNameLst>
-                                          <p:attrName>ppt_h</p:attrName>
-                                        </p:attrNameLst>
-                                      </p:cBhvr>
-                                      <p:tavLst>
-                                        <p:tav tm="0">
-                                          <p:val>
-                                            <p:fltVal val="0"/>
-                                          </p:val>
-                                        </p:tav>
-                                        <p:tav tm="100000">
-                                          <p:val>
-                                            <p:strVal val="#ppt_h"/>
-                                          </p:val>
-                                        </p:tav>
-                                      </p:tavLst>
-                                    </p:anim>
-                                    <p:animEffect transition="in" filter="fade">
-                                      <p:cBhvr>
-                                        <p:cTn id="19" dur="500"/>
-                                        <p:tgtEl>
-                                          <p:spTgt spid="33"/>
-                                        </p:tgtEl>
-                                      </p:cBhvr>
-                                    </p:animEffect>
-                                  </p:childTnLst>
-                                </p:cTn>
-                              </p:par>
-                            </p:childTnLst>
-                          </p:cTn>
-                        </p:par>
-                      </p:childTnLst>
-                    </p:cTn>
-                  </p:par>
-                  <p:par>
-                    <p:cTn id="20" fill="hold">
-                      <p:stCondLst>
-                        <p:cond delay="indefinite"/>
-                      </p:stCondLst>
-                      <p:childTnLst>
-                        <p:par>
-                          <p:cTn id="21" fill="hold">
-                            <p:stCondLst>
-                              <p:cond delay="0"/>
-                            </p:stCondLst>
-                            <p:childTnLst>
-                              <p:par>
-                                <p:cTn id="22" presetID="42" presetClass="entr" presetSubtype="0" fill="hold" nodeType="clickEffect">
-                                  <p:stCondLst>
-                                    <p:cond delay="0"/>
-                                  </p:stCondLst>
-                                  <p:childTnLst>
-                                    <p:set>
-                                      <p:cBhvr>
-                                        <p:cTn id="23" dur="1" fill="hold">
-                                          <p:stCondLst>
-                                            <p:cond delay="0"/>
-                                          </p:stCondLst>
-                                        </p:cTn>
-                                        <p:tgtEl>
-                                          <p:spTgt spid="11"/>
-                                        </p:tgtEl>
-                                        <p:attrNameLst>
-                                          <p:attrName>style.visibility</p:attrName>
-                                        </p:attrNameLst>
-                                      </p:cBhvr>
-                                      <p:to>
-                                        <p:strVal val="visible"/>
-                                      </p:to>
-                                    </p:set>
-                                    <p:animEffect transition="in" filter="fade">
-                                      <p:cBhvr>
-                                        <p:cTn id="24" dur="1000"/>
-                                        <p:tgtEl>
-                                          <p:spTgt spid="11"/>
-                                        </p:tgtEl>
-                                      </p:cBhvr>
-                                    </p:animEffect>
-                                    <p:anim calcmode="lin" valueType="num">
-                                      <p:cBhvr>
-                                        <p:cTn id="25" dur="1000" fill="hold"/>
-                                        <p:tgtEl>
-                                          <p:spTgt spid="11"/>
-                                        </p:tgtEl>
-                                        <p:attrNameLst>
-                                          <p:attrName>ppt_x</p:attrName>
-                                        </p:attrNameLst>
-                                      </p:cBhvr>
-                                      <p:tavLst>
-                                        <p:tav tm="0">
-                                          <p:val>
-                                            <p:strVal val="#ppt_x"/>
-                                          </p:val>
-                                        </p:tav>
-                                        <p:tav tm="100000">
-                                          <p:val>
-                                            <p:strVal val="#ppt_x"/>
-                                          </p:val>
-                                        </p:tav>
-                                      </p:tavLst>
-                                    </p:anim>
-                                    <p:anim calcmode="lin" valueType="num">
-                                      <p:cBhvr>
-                                        <p:cTn id="26" dur="1000" fill="hold"/>
-                                        <p:tgtEl>
-                                          <p:spTgt spid="11"/>
-                                        </p:tgtEl>
-                                        <p:attrNameLst>
-                                          <p:attrName>ppt_y</p:attrName>
-                                        </p:attrNameLst>
-                                      </p:cBhvr>
-                                      <p:tavLst>
-                                        <p:tav tm="0">
-                                          <p:val>
-                                            <p:strVal val="#ppt_y+.1"/>
-                                          </p:val>
-                                        </p:tav>
-                                        <p:tav tm="100000">
-                                          <p:val>
-                                            <p:strVal val="#ppt_y"/>
-                                          </p:val>
-                                        </p:tav>
-                                      </p:tavLst>
-                                    </p:anim>
-                                  </p:childTnLst>
-                                </p:cTn>
-                              </p:par>
-                            </p:childTnLst>
-                          </p:cTn>
-                        </p:par>
-                      </p:childTnLst>
-                    </p:cTn>
-                  </p:par>
-                </p:childTnLst>
-              </p:cTn>
-              <p:prevCondLst>
-                <p:cond evt="onPrev" delay="0">
-                  <p:tgtEl>
-                    <p:sldTgt/>
-                  </p:tgtEl>
-                </p:cond>
-              </p:prevCondLst>
-              <p:nextCondLst>
-                <p:cond evt="onNext" delay="0">
-                  <p:tgtEl>
-                    <p:sldTgt/>
-                  </p:tgtEl>
-                </p:cond>
-              </p:nextCondLst>
-            </p:seq>
-          </p:childTnLst>
-        </p:cTn>
-      </p:par>
-    </p:tnLst>
-    <p:bldLst>
-      <p:bldP spid="17" grpId="0"/>
-      <p:bldP spid="33" grpId="0"/>
-    </p:bldLst>
-  </p:timing>
-</p:sld>
-</file>
-
 <file path=ppt/theme/theme1.xml><?xml version="1.0" encoding="utf-8"?>
 <a:theme xmlns:a="http://schemas.openxmlformats.org/drawingml/2006/main" name="Office 主题​​">
   <a:themeElements>
